--- a/Post-production/JMTV_T.pptx
+++ b/Post-production/JMTV_T.pptx
@@ -8,22 +8,22 @@
     <p:sldId id="256" r:id="rId2"/>
     <p:sldId id="257" r:id="rId3"/>
     <p:sldId id="258" r:id="rId4"/>
-    <p:sldId id="259" r:id="rId5"/>
-    <p:sldId id="260" r:id="rId6"/>
-    <p:sldId id="261" r:id="rId7"/>
-    <p:sldId id="265" r:id="rId8"/>
-    <p:sldId id="266" r:id="rId9"/>
-    <p:sldId id="267" r:id="rId10"/>
-    <p:sldId id="268" r:id="rId11"/>
-    <p:sldId id="269" r:id="rId12"/>
-    <p:sldId id="270" r:id="rId13"/>
-    <p:sldId id="271" r:id="rId14"/>
-    <p:sldId id="272" r:id="rId15"/>
-    <p:sldId id="263" r:id="rId16"/>
-    <p:sldId id="264" r:id="rId17"/>
-    <p:sldId id="273" r:id="rId18"/>
-    <p:sldId id="274" r:id="rId19"/>
-    <p:sldId id="275" r:id="rId20"/>
+    <p:sldId id="275" r:id="rId5"/>
+    <p:sldId id="259" r:id="rId6"/>
+    <p:sldId id="279" r:id="rId7"/>
+    <p:sldId id="261" r:id="rId8"/>
+    <p:sldId id="265" r:id="rId9"/>
+    <p:sldId id="266" r:id="rId10"/>
+    <p:sldId id="267" r:id="rId11"/>
+    <p:sldId id="268" r:id="rId12"/>
+    <p:sldId id="269" r:id="rId13"/>
+    <p:sldId id="270" r:id="rId14"/>
+    <p:sldId id="271" r:id="rId15"/>
+    <p:sldId id="272" r:id="rId16"/>
+    <p:sldId id="263" r:id="rId17"/>
+    <p:sldId id="264" r:id="rId18"/>
+    <p:sldId id="273" r:id="rId19"/>
+    <p:sldId id="274" r:id="rId20"/>
     <p:sldId id="276" r:id="rId21"/>
     <p:sldId id="277" r:id="rId22"/>
     <p:sldId id="278" r:id="rId23"/>
@@ -125,6 +125,11 @@
       </a:defRPr>
     </a:lvl9pPr>
   </p:defaultTextStyle>
+  <p:extLst>
+    <p:ext uri="{EFAFB233-063F-42B5-8137-9DF3F51BA10A}">
+      <p15:sldGuideLst xmlns:p15="http://schemas.microsoft.com/office/powerpoint/2012/main"/>
+    </p:ext>
+  </p:extLst>
 </p:presentation>
 </file>
 
@@ -313,7 +318,7 @@
           <a:p>
             <a:fld id="{AE7D78AE-FBC0-45B4-9236-184948024FF8}" type="datetimeFigureOut">
               <a:rPr lang="hu-HU" smtClean="0"/>
-              <a:t>2021. 11. 02.</a:t>
+              <a:t>2021. 11. 07.</a:t>
             </a:fld>
             <a:endParaRPr lang="hu-HU"/>
           </a:p>
@@ -611,7 +616,7 @@
           <a:p>
             <a:fld id="{AE7D78AE-FBC0-45B4-9236-184948024FF8}" type="datetimeFigureOut">
               <a:rPr lang="hu-HU" smtClean="0"/>
-              <a:t>2021. 11. 02.</a:t>
+              <a:t>2021. 11. 07.</a:t>
             </a:fld>
             <a:endParaRPr lang="hu-HU"/>
           </a:p>
@@ -803,7 +808,7 @@
           <a:p>
             <a:fld id="{AE7D78AE-FBC0-45B4-9236-184948024FF8}" type="datetimeFigureOut">
               <a:rPr lang="hu-HU" smtClean="0"/>
-              <a:t>2021. 11. 02.</a:t>
+              <a:t>2021. 11. 07.</a:t>
             </a:fld>
             <a:endParaRPr lang="hu-HU"/>
           </a:p>
@@ -1064,7 +1069,7 @@
           <a:p>
             <a:fld id="{AE7D78AE-FBC0-45B4-9236-184948024FF8}" type="datetimeFigureOut">
               <a:rPr lang="hu-HU" smtClean="0"/>
-              <a:t>2021. 11. 02.</a:t>
+              <a:t>2021. 11. 07.</a:t>
             </a:fld>
             <a:endParaRPr lang="hu-HU"/>
           </a:p>
@@ -1488,7 +1493,7 @@
           <a:p>
             <a:fld id="{AE7D78AE-FBC0-45B4-9236-184948024FF8}" type="datetimeFigureOut">
               <a:rPr lang="hu-HU" smtClean="0"/>
-              <a:t>2021. 11. 02.</a:t>
+              <a:t>2021. 11. 07.</a:t>
             </a:fld>
             <a:endParaRPr lang="hu-HU"/>
           </a:p>
@@ -2025,7 +2030,7 @@
           <a:p>
             <a:fld id="{AE7D78AE-FBC0-45B4-9236-184948024FF8}" type="datetimeFigureOut">
               <a:rPr lang="hu-HU" smtClean="0"/>
-              <a:t>2021. 11. 02.</a:t>
+              <a:t>2021. 11. 07.</a:t>
             </a:fld>
             <a:endParaRPr lang="hu-HU"/>
           </a:p>
@@ -2889,7 +2894,7 @@
           <a:p>
             <a:fld id="{AE7D78AE-FBC0-45B4-9236-184948024FF8}" type="datetimeFigureOut">
               <a:rPr lang="hu-HU" smtClean="0"/>
-              <a:t>2021. 11. 02.</a:t>
+              <a:t>2021. 11. 07.</a:t>
             </a:fld>
             <a:endParaRPr lang="hu-HU"/>
           </a:p>
@@ -3059,7 +3064,7 @@
           <a:p>
             <a:fld id="{AE7D78AE-FBC0-45B4-9236-184948024FF8}" type="datetimeFigureOut">
               <a:rPr lang="hu-HU" smtClean="0"/>
-              <a:t>2021. 11. 02.</a:t>
+              <a:t>2021. 11. 07.</a:t>
             </a:fld>
             <a:endParaRPr lang="hu-HU"/>
           </a:p>
@@ -3243,7 +3248,7 @@
           <a:p>
             <a:fld id="{AE7D78AE-FBC0-45B4-9236-184948024FF8}" type="datetimeFigureOut">
               <a:rPr lang="hu-HU" smtClean="0"/>
-              <a:t>2021. 11. 02.</a:t>
+              <a:t>2021. 11. 07.</a:t>
             </a:fld>
             <a:endParaRPr lang="hu-HU"/>
           </a:p>
@@ -3413,7 +3418,7 @@
           <a:p>
             <a:fld id="{AE7D78AE-FBC0-45B4-9236-184948024FF8}" type="datetimeFigureOut">
               <a:rPr lang="hu-HU" smtClean="0"/>
-              <a:t>2021. 11. 02.</a:t>
+              <a:t>2021. 11. 07.</a:t>
             </a:fld>
             <a:endParaRPr lang="hu-HU"/>
           </a:p>
@@ -3657,7 +3662,7 @@
           <a:p>
             <a:fld id="{AE7D78AE-FBC0-45B4-9236-184948024FF8}" type="datetimeFigureOut">
               <a:rPr lang="hu-HU" smtClean="0"/>
-              <a:t>2021. 11. 02.</a:t>
+              <a:t>2021. 11. 07.</a:t>
             </a:fld>
             <a:endParaRPr lang="hu-HU"/>
           </a:p>
@@ -3893,7 +3898,7 @@
           <a:p>
             <a:fld id="{AE7D78AE-FBC0-45B4-9236-184948024FF8}" type="datetimeFigureOut">
               <a:rPr lang="hu-HU" smtClean="0"/>
-              <a:t>2021. 11. 02.</a:t>
+              <a:t>2021. 11. 07.</a:t>
             </a:fld>
             <a:endParaRPr lang="hu-HU"/>
           </a:p>
@@ -4359,7 +4364,7 @@
           <a:p>
             <a:fld id="{AE7D78AE-FBC0-45B4-9236-184948024FF8}" type="datetimeFigureOut">
               <a:rPr lang="hu-HU" smtClean="0"/>
-              <a:t>2021. 11. 02.</a:t>
+              <a:t>2021. 11. 07.</a:t>
             </a:fld>
             <a:endParaRPr lang="hu-HU"/>
           </a:p>
@@ -4477,7 +4482,7 @@
           <a:p>
             <a:fld id="{AE7D78AE-FBC0-45B4-9236-184948024FF8}" type="datetimeFigureOut">
               <a:rPr lang="hu-HU" smtClean="0"/>
-              <a:t>2021. 11. 02.</a:t>
+              <a:t>2021. 11. 07.</a:t>
             </a:fld>
             <a:endParaRPr lang="hu-HU"/>
           </a:p>
@@ -4572,7 +4577,7 @@
           <a:p>
             <a:fld id="{AE7D78AE-FBC0-45B4-9236-184948024FF8}" type="datetimeFigureOut">
               <a:rPr lang="hu-HU" smtClean="0"/>
-              <a:t>2021. 11. 02.</a:t>
+              <a:t>2021. 11. 07.</a:t>
             </a:fld>
             <a:endParaRPr lang="hu-HU"/>
           </a:p>
@@ -4827,7 +4832,7 @@
           <a:p>
             <a:fld id="{AE7D78AE-FBC0-45B4-9236-184948024FF8}" type="datetimeFigureOut">
               <a:rPr lang="hu-HU" smtClean="0"/>
-              <a:t>2021. 11. 02.</a:t>
+              <a:t>2021. 11. 07.</a:t>
             </a:fld>
             <a:endParaRPr lang="hu-HU"/>
           </a:p>
@@ -5127,7 +5132,7 @@
           <a:p>
             <a:fld id="{AE7D78AE-FBC0-45B4-9236-184948024FF8}" type="datetimeFigureOut">
               <a:rPr lang="hu-HU" smtClean="0"/>
-              <a:t>2021. 11. 02.</a:t>
+              <a:t>2021. 11. 07.</a:t>
             </a:fld>
             <a:endParaRPr lang="hu-HU"/>
           </a:p>
@@ -5361,7 +5366,7 @@
           <a:p>
             <a:fld id="{AE7D78AE-FBC0-45B4-9236-184948024FF8}" type="datetimeFigureOut">
               <a:rPr lang="hu-HU" smtClean="0"/>
-              <a:t>2021. 11. 02.</a:t>
+              <a:t>2021. 11. 07.</a:t>
             </a:fld>
             <a:endParaRPr lang="hu-HU"/>
           </a:p>
@@ -6183,596 +6188,6 @@
 <file path=ppt/slides/slide10.xml><?xml version="1.0" encoding="utf-8"?>
 <p:sld xmlns:a="http://schemas.openxmlformats.org/drawingml/2006/main" xmlns:r="http://schemas.openxmlformats.org/officeDocument/2006/relationships" xmlns:p="http://schemas.openxmlformats.org/presentationml/2006/main">
   <p:cSld>
-    <p:spTree>
-      <p:nvGrpSpPr>
-        <p:cNvPr id="1" name=""/>
-        <p:cNvGrpSpPr/>
-        <p:nvPr/>
-      </p:nvGrpSpPr>
-      <p:grpSpPr>
-        <a:xfrm>
-          <a:off x="0" y="0"/>
-          <a:ext cx="0" cy="0"/>
-          <a:chOff x="0" y="0"/>
-          <a:chExt cx="0" cy="0"/>
-        </a:xfrm>
-      </p:grpSpPr>
-      <p:sp>
-        <p:nvSpPr>
-          <p:cNvPr id="2" name="Cím 1">
-            <a:extLst>
-              <a:ext uri="{FF2B5EF4-FFF2-40B4-BE49-F238E27FC236}">
-                <a16:creationId xmlns:a16="http://schemas.microsoft.com/office/drawing/2014/main" id="{E6A9A481-0E10-4BD1-B155-A52B560465B7}"/>
-              </a:ext>
-            </a:extLst>
-          </p:cNvPr>
-          <p:cNvSpPr>
-            <a:spLocks noGrp="1"/>
-          </p:cNvSpPr>
-          <p:nvPr>
-            <p:ph type="ctrTitle"/>
-          </p:nvPr>
-        </p:nvSpPr>
-        <p:spPr/>
-        <p:txBody>
-          <a:bodyPr/>
-          <a:lstStyle/>
-          <a:p>
-            <a:r>
-              <a:rPr lang="hu-HU" dirty="0">
-                <a:solidFill>
-                  <a:srgbClr val="FF0000"/>
-                </a:solidFill>
-              </a:rPr>
-              <a:t>T</a:t>
-            </a:r>
-            <a:r>
-              <a:rPr lang="hu-HU" dirty="0"/>
-              <a:t>ünde</a:t>
-            </a:r>
-          </a:p>
-        </p:txBody>
-      </p:sp>
-      <p:sp>
-        <p:nvSpPr>
-          <p:cNvPr id="3" name="Alcím 2">
-            <a:extLst>
-              <a:ext uri="{FF2B5EF4-FFF2-40B4-BE49-F238E27FC236}">
-                <a16:creationId xmlns:a16="http://schemas.microsoft.com/office/drawing/2014/main" id="{6920F21E-1ECF-4BD2-99DF-F142625116C6}"/>
-              </a:ext>
-            </a:extLst>
-          </p:cNvPr>
-          <p:cNvSpPr>
-            <a:spLocks noGrp="1"/>
-          </p:cNvSpPr>
-          <p:nvPr>
-            <p:ph type="subTitle" idx="1"/>
-          </p:nvPr>
-        </p:nvSpPr>
-        <p:spPr>
-          <a:xfrm>
-            <a:off x="1370693" y="3980079"/>
-            <a:ext cx="9440034" cy="1049867"/>
-          </a:xfrm>
-        </p:spPr>
-        <p:txBody>
-          <a:bodyPr/>
-          <a:lstStyle/>
-          <a:p>
-            <a:r>
-              <a:rPr lang="hu-HU" dirty="0">
-                <a:solidFill>
-                  <a:srgbClr val="FF0000"/>
-                </a:solidFill>
-              </a:rPr>
-              <a:t>F</a:t>
-            </a:r>
-            <a:r>
-              <a:rPr lang="hu-HU" dirty="0"/>
-              <a:t>estmény </a:t>
-            </a:r>
-            <a:r>
-              <a:rPr lang="hu-HU" dirty="0" err="1">
-                <a:solidFill>
-                  <a:srgbClr val="FF0000"/>
-                </a:solidFill>
-              </a:rPr>
-              <a:t>class</a:t>
-            </a:r>
-            <a:r>
-              <a:rPr lang="hu-HU" dirty="0"/>
-              <a:t> | </a:t>
-            </a:r>
-            <a:r>
-              <a:rPr lang="hu-HU" dirty="0">
-                <a:solidFill>
-                  <a:srgbClr val="FF0000"/>
-                </a:solidFill>
-              </a:rPr>
-              <a:t>S</a:t>
-            </a:r>
-            <a:r>
-              <a:rPr lang="hu-HU" dirty="0"/>
-              <a:t>tatisztikai </a:t>
-            </a:r>
-            <a:r>
-              <a:rPr lang="hu-HU" dirty="0">
-                <a:solidFill>
-                  <a:srgbClr val="FF0000"/>
-                </a:solidFill>
-              </a:rPr>
-              <a:t>a</a:t>
-            </a:r>
-            <a:r>
-              <a:rPr lang="hu-HU" dirty="0"/>
-              <a:t>datok </a:t>
-            </a:r>
-            <a:r>
-              <a:rPr lang="hu-HU" dirty="0">
-                <a:solidFill>
-                  <a:srgbClr val="FF0000"/>
-                </a:solidFill>
-              </a:rPr>
-              <a:t>sz</a:t>
-            </a:r>
-            <a:r>
-              <a:rPr lang="hu-HU" dirty="0"/>
-              <a:t>ámítása</a:t>
-            </a:r>
-            <a:endParaRPr lang="hu-HU" dirty="0">
-              <a:solidFill>
-                <a:srgbClr val="FF0000"/>
-              </a:solidFill>
-            </a:endParaRPr>
-          </a:p>
-        </p:txBody>
-      </p:sp>
-    </p:spTree>
-    <p:extLst>
-      <p:ext uri="{BB962C8B-B14F-4D97-AF65-F5344CB8AC3E}">
-        <p14:creationId xmlns:p14="http://schemas.microsoft.com/office/powerpoint/2010/main" val="603438987"/>
-      </p:ext>
-    </p:extLst>
-  </p:cSld>
-  <p:clrMapOvr>
-    <a:masterClrMapping/>
-  </p:clrMapOvr>
-</p:sld>
-</file>
-
-<file path=ppt/slides/slide11.xml><?xml version="1.0" encoding="utf-8"?>
-<p:sld xmlns:a="http://schemas.openxmlformats.org/drawingml/2006/main" xmlns:r="http://schemas.openxmlformats.org/officeDocument/2006/relationships" xmlns:p="http://schemas.openxmlformats.org/presentationml/2006/main">
-  <p:cSld>
-    <p:spTree>
-      <p:nvGrpSpPr>
-        <p:cNvPr id="1" name=""/>
-        <p:cNvGrpSpPr/>
-        <p:nvPr/>
-      </p:nvGrpSpPr>
-      <p:grpSpPr>
-        <a:xfrm>
-          <a:off x="0" y="0"/>
-          <a:ext cx="0" cy="0"/>
-          <a:chOff x="0" y="0"/>
-          <a:chExt cx="0" cy="0"/>
-        </a:xfrm>
-      </p:grpSpPr>
-      <p:sp>
-        <p:nvSpPr>
-          <p:cNvPr id="2" name="Cím 1">
-            <a:extLst>
-              <a:ext uri="{FF2B5EF4-FFF2-40B4-BE49-F238E27FC236}">
-                <a16:creationId xmlns:a16="http://schemas.microsoft.com/office/drawing/2014/main" id="{90879252-7F7C-4AA5-848D-580767CA1344}"/>
-              </a:ext>
-            </a:extLst>
-          </p:cNvPr>
-          <p:cNvSpPr>
-            <a:spLocks noGrp="1"/>
-          </p:cNvSpPr>
-          <p:nvPr>
-            <p:ph type="title"/>
-          </p:nvPr>
-        </p:nvSpPr>
-        <p:spPr/>
-        <p:txBody>
-          <a:bodyPr/>
-          <a:lstStyle/>
-          <a:p>
-            <a:r>
-              <a:rPr lang="hu-HU" dirty="0">
-                <a:solidFill>
-                  <a:srgbClr val="FF0000"/>
-                </a:solidFill>
-              </a:rPr>
-              <a:t>F</a:t>
-            </a:r>
-            <a:r>
-              <a:rPr lang="hu-HU" dirty="0"/>
-              <a:t>estmény </a:t>
-            </a:r>
-            <a:r>
-              <a:rPr lang="hu-HU" dirty="0" err="1">
-                <a:solidFill>
-                  <a:srgbClr val="FF0000"/>
-                </a:solidFill>
-              </a:rPr>
-              <a:t>class</a:t>
-            </a:r>
-            <a:endParaRPr lang="hu-HU" dirty="0">
-              <a:solidFill>
-                <a:srgbClr val="FF0000"/>
-              </a:solidFill>
-            </a:endParaRPr>
-          </a:p>
-        </p:txBody>
-      </p:sp>
-    </p:spTree>
-    <p:extLst>
-      <p:ext uri="{BB962C8B-B14F-4D97-AF65-F5344CB8AC3E}">
-        <p14:creationId xmlns:p14="http://schemas.microsoft.com/office/powerpoint/2010/main" val="3320082216"/>
-      </p:ext>
-    </p:extLst>
-  </p:cSld>
-  <p:clrMapOvr>
-    <a:masterClrMapping/>
-  </p:clrMapOvr>
-</p:sld>
-</file>
-
-<file path=ppt/slides/slide12.xml><?xml version="1.0" encoding="utf-8"?>
-<p:sld xmlns:a="http://schemas.openxmlformats.org/drawingml/2006/main" xmlns:r="http://schemas.openxmlformats.org/officeDocument/2006/relationships" xmlns:p="http://schemas.openxmlformats.org/presentationml/2006/main">
-  <p:cSld>
-    <p:spTree>
-      <p:nvGrpSpPr>
-        <p:cNvPr id="1" name=""/>
-        <p:cNvGrpSpPr/>
-        <p:nvPr/>
-      </p:nvGrpSpPr>
-      <p:grpSpPr>
-        <a:xfrm>
-          <a:off x="0" y="0"/>
-          <a:ext cx="0" cy="0"/>
-          <a:chOff x="0" y="0"/>
-          <a:chExt cx="0" cy="0"/>
-        </a:xfrm>
-      </p:grpSpPr>
-      <p:sp>
-        <p:nvSpPr>
-          <p:cNvPr id="2" name="Cím 1">
-            <a:extLst>
-              <a:ext uri="{FF2B5EF4-FFF2-40B4-BE49-F238E27FC236}">
-                <a16:creationId xmlns:a16="http://schemas.microsoft.com/office/drawing/2014/main" id="{358EEC91-1C6B-4FCE-A4B7-00D5345125A9}"/>
-              </a:ext>
-            </a:extLst>
-          </p:cNvPr>
-          <p:cNvSpPr>
-            <a:spLocks noGrp="1"/>
-          </p:cNvSpPr>
-          <p:nvPr>
-            <p:ph type="title"/>
-          </p:nvPr>
-        </p:nvSpPr>
-        <p:spPr>
-          <a:xfrm>
-            <a:off x="1295401" y="-458339"/>
-            <a:ext cx="9590550" cy="1828813"/>
-          </a:xfrm>
-        </p:spPr>
-        <p:txBody>
-          <a:bodyPr/>
-          <a:lstStyle/>
-          <a:p>
-            <a:r>
-              <a:rPr lang="hu-HU" dirty="0">
-                <a:solidFill>
-                  <a:srgbClr val="FF0000"/>
-                </a:solidFill>
-              </a:rPr>
-              <a:t>S</a:t>
-            </a:r>
-            <a:r>
-              <a:rPr lang="hu-HU" dirty="0"/>
-              <a:t>tatisztikai </a:t>
-            </a:r>
-            <a:r>
-              <a:rPr lang="hu-HU" dirty="0">
-                <a:solidFill>
-                  <a:srgbClr val="FF0000"/>
-                </a:solidFill>
-              </a:rPr>
-              <a:t>a</a:t>
-            </a:r>
-            <a:r>
-              <a:rPr lang="hu-HU" dirty="0"/>
-              <a:t>datok </a:t>
-            </a:r>
-            <a:r>
-              <a:rPr lang="hu-HU" dirty="0">
-                <a:solidFill>
-                  <a:srgbClr val="FF0000"/>
-                </a:solidFill>
-              </a:rPr>
-              <a:t>sz</a:t>
-            </a:r>
-            <a:r>
-              <a:rPr lang="hu-HU" dirty="0"/>
-              <a:t>ámítása</a:t>
-            </a:r>
-          </a:p>
-        </p:txBody>
-      </p:sp>
-      <p:sp>
-        <p:nvSpPr>
-          <p:cNvPr id="3" name="Szöveg helye 2">
-            <a:extLst>
-              <a:ext uri="{FF2B5EF4-FFF2-40B4-BE49-F238E27FC236}">
-                <a16:creationId xmlns:a16="http://schemas.microsoft.com/office/drawing/2014/main" id="{3220275B-BFB0-4E87-A83A-2AEC163E613C}"/>
-              </a:ext>
-            </a:extLst>
-          </p:cNvPr>
-          <p:cNvSpPr>
-            <a:spLocks noGrp="1"/>
-          </p:cNvSpPr>
-          <p:nvPr>
-            <p:ph type="body" idx="1"/>
-          </p:nvPr>
-        </p:nvSpPr>
-        <p:spPr>
-          <a:xfrm>
-            <a:off x="1295401" y="1611228"/>
-            <a:ext cx="9590550" cy="1507054"/>
-          </a:xfrm>
-        </p:spPr>
-        <p:txBody>
-          <a:bodyPr/>
-          <a:lstStyle/>
-          <a:p>
-            <a:r>
-              <a:rPr lang="hu-HU" dirty="0">
-                <a:solidFill>
-                  <a:srgbClr val="FF0000"/>
-                </a:solidFill>
-              </a:rPr>
-              <a:t>Á</a:t>
-            </a:r>
-            <a:r>
-              <a:rPr lang="hu-HU" dirty="0"/>
-              <a:t>tlag | </a:t>
-            </a:r>
-            <a:r>
-              <a:rPr lang="hu-HU" dirty="0">
-                <a:solidFill>
-                  <a:srgbClr val="FF0000"/>
-                </a:solidFill>
-              </a:rPr>
-              <a:t>M</a:t>
-            </a:r>
-            <a:r>
-              <a:rPr lang="hu-HU" dirty="0"/>
-              <a:t>inimum </a:t>
-            </a:r>
-            <a:r>
-              <a:rPr lang="hu-HU" dirty="0">
-                <a:solidFill>
-                  <a:srgbClr val="FF0000"/>
-                </a:solidFill>
-              </a:rPr>
-              <a:t>é</a:t>
-            </a:r>
-            <a:r>
-              <a:rPr lang="hu-HU" dirty="0"/>
-              <a:t>rték | </a:t>
-            </a:r>
-            <a:r>
-              <a:rPr lang="hu-HU" dirty="0">
-                <a:solidFill>
-                  <a:srgbClr val="FF0000"/>
-                </a:solidFill>
-              </a:rPr>
-              <a:t>M</a:t>
-            </a:r>
-            <a:r>
-              <a:rPr lang="hu-HU" dirty="0"/>
-              <a:t>aximum </a:t>
-            </a:r>
-            <a:r>
-              <a:rPr lang="hu-HU" dirty="0">
-                <a:solidFill>
-                  <a:srgbClr val="FF0000"/>
-                </a:solidFill>
-              </a:rPr>
-              <a:t>é</a:t>
-            </a:r>
-            <a:r>
-              <a:rPr lang="hu-HU" dirty="0"/>
-              <a:t>rték</a:t>
-            </a:r>
-          </a:p>
-        </p:txBody>
-      </p:sp>
-    </p:spTree>
-    <p:extLst>
-      <p:ext uri="{BB962C8B-B14F-4D97-AF65-F5344CB8AC3E}">
-        <p14:creationId xmlns:p14="http://schemas.microsoft.com/office/powerpoint/2010/main" val="865515215"/>
-      </p:ext>
-    </p:extLst>
-  </p:cSld>
-  <p:clrMapOvr>
-    <a:masterClrMapping/>
-  </p:clrMapOvr>
-</p:sld>
-</file>
-
-<file path=ppt/slides/slide13.xml><?xml version="1.0" encoding="utf-8"?>
-<p:sld xmlns:a="http://schemas.openxmlformats.org/drawingml/2006/main" xmlns:r="http://schemas.openxmlformats.org/officeDocument/2006/relationships" xmlns:p="http://schemas.openxmlformats.org/presentationml/2006/main">
-  <p:cSld>
-    <p:spTree>
-      <p:nvGrpSpPr>
-        <p:cNvPr id="1" name=""/>
-        <p:cNvGrpSpPr/>
-        <p:nvPr/>
-      </p:nvGrpSpPr>
-      <p:grpSpPr>
-        <a:xfrm>
-          <a:off x="0" y="0"/>
-          <a:ext cx="0" cy="0"/>
-          <a:chOff x="0" y="0"/>
-          <a:chExt cx="0" cy="0"/>
-        </a:xfrm>
-      </p:grpSpPr>
-      <p:sp>
-        <p:nvSpPr>
-          <p:cNvPr id="2" name="Cím 1">
-            <a:extLst>
-              <a:ext uri="{FF2B5EF4-FFF2-40B4-BE49-F238E27FC236}">
-                <a16:creationId xmlns:a16="http://schemas.microsoft.com/office/drawing/2014/main" id="{3FC3E6ED-7699-4456-8513-A38921E86ED6}"/>
-              </a:ext>
-            </a:extLst>
-          </p:cNvPr>
-          <p:cNvSpPr>
-            <a:spLocks noGrp="1"/>
-          </p:cNvSpPr>
-          <p:nvPr>
-            <p:ph type="ctrTitle"/>
-          </p:nvPr>
-        </p:nvSpPr>
-        <p:spPr/>
-        <p:txBody>
-          <a:bodyPr/>
-          <a:lstStyle/>
-          <a:p>
-            <a:r>
-              <a:rPr lang="hu-HU" dirty="0">
-                <a:solidFill>
-                  <a:srgbClr val="FF0000"/>
-                </a:solidFill>
-              </a:rPr>
-              <a:t>V</a:t>
-            </a:r>
-            <a:r>
-              <a:rPr lang="hu-HU" dirty="0"/>
-              <a:t>iktor</a:t>
-            </a:r>
-          </a:p>
-        </p:txBody>
-      </p:sp>
-      <p:sp>
-        <p:nvSpPr>
-          <p:cNvPr id="3" name="Alcím 2">
-            <a:extLst>
-              <a:ext uri="{FF2B5EF4-FFF2-40B4-BE49-F238E27FC236}">
-                <a16:creationId xmlns:a16="http://schemas.microsoft.com/office/drawing/2014/main" id="{9A7AA965-F591-472A-A105-E8B130B53C92}"/>
-              </a:ext>
-            </a:extLst>
-          </p:cNvPr>
-          <p:cNvSpPr>
-            <a:spLocks noGrp="1"/>
-          </p:cNvSpPr>
-          <p:nvPr>
-            <p:ph type="subTitle" idx="1"/>
-          </p:nvPr>
-        </p:nvSpPr>
-        <p:spPr>
-          <a:xfrm>
-            <a:off x="1381273" y="4077733"/>
-            <a:ext cx="9440034" cy="1049867"/>
-          </a:xfrm>
-        </p:spPr>
-        <p:txBody>
-          <a:bodyPr/>
-          <a:lstStyle/>
-          <a:p>
-            <a:r>
-              <a:rPr lang="hu-HU" dirty="0">
-                <a:solidFill>
-                  <a:srgbClr val="FF0000"/>
-                </a:solidFill>
-              </a:rPr>
-              <a:t>G</a:t>
-            </a:r>
-            <a:r>
-              <a:rPr lang="hu-HU" dirty="0"/>
-              <a:t>it</a:t>
-            </a:r>
-            <a:r>
-              <a:rPr lang="hu-HU" dirty="0">
-                <a:solidFill>
-                  <a:srgbClr val="FF0000"/>
-                </a:solidFill>
-              </a:rPr>
-              <a:t>H</a:t>
-            </a:r>
-            <a:r>
-              <a:rPr lang="hu-HU" dirty="0"/>
-              <a:t>ub | </a:t>
-            </a:r>
-            <a:r>
-              <a:rPr lang="hu-HU" dirty="0">
-                <a:solidFill>
-                  <a:srgbClr val="FF0000"/>
-                </a:solidFill>
-              </a:rPr>
-              <a:t>N</a:t>
-            </a:r>
-            <a:r>
-              <a:rPr lang="hu-HU" dirty="0"/>
-              <a:t>év</a:t>
-            </a:r>
-            <a:r>
-              <a:rPr lang="hu-HU" dirty="0">
-                <a:solidFill>
-                  <a:srgbClr val="FF0000"/>
-                </a:solidFill>
-              </a:rPr>
-              <a:t>k</a:t>
-            </a:r>
-            <a:r>
-              <a:rPr lang="hu-HU" dirty="0"/>
-              <a:t>ereső | </a:t>
-            </a:r>
-            <a:r>
-              <a:rPr lang="hu-HU" dirty="0">
-                <a:solidFill>
-                  <a:srgbClr val="FF0000"/>
-                </a:solidFill>
-              </a:rPr>
-              <a:t>S</a:t>
-            </a:r>
-            <a:r>
-              <a:rPr lang="hu-HU" dirty="0"/>
-              <a:t>tílus</a:t>
-            </a:r>
-            <a:r>
-              <a:rPr lang="hu-HU" dirty="0">
-                <a:solidFill>
-                  <a:srgbClr val="FF0000"/>
-                </a:solidFill>
-              </a:rPr>
-              <a:t>k</a:t>
-            </a:r>
-            <a:r>
-              <a:rPr lang="hu-HU" dirty="0"/>
-              <a:t>ereső</a:t>
-            </a:r>
-          </a:p>
-        </p:txBody>
-      </p:sp>
-    </p:spTree>
-    <p:extLst>
-      <p:ext uri="{BB962C8B-B14F-4D97-AF65-F5344CB8AC3E}">
-        <p14:creationId xmlns:p14="http://schemas.microsoft.com/office/powerpoint/2010/main" val="2446932827"/>
-      </p:ext>
-    </p:extLst>
-  </p:cSld>
-  <p:clrMapOvr>
-    <a:masterClrMapping/>
-  </p:clrMapOvr>
-</p:sld>
-</file>
-
-<file path=ppt/slides/slide14.xml><?xml version="1.0" encoding="utf-8"?>
-<p:sld xmlns:a="http://schemas.openxmlformats.org/drawingml/2006/main" xmlns:r="http://schemas.openxmlformats.org/officeDocument/2006/relationships" xmlns:p="http://schemas.openxmlformats.org/presentationml/2006/main">
-  <p:cSld>
     <p:bg>
       <p:bgPr>
         <a:blipFill rotWithShape="1">
@@ -6811,7 +6226,7 @@
           <p:cNvPr id="2" name="Cím 1">
             <a:extLst>
               <a:ext uri="{FF2B5EF4-FFF2-40B4-BE49-F238E27FC236}">
-                <a16:creationId xmlns:a16="http://schemas.microsoft.com/office/drawing/2014/main" id="{01691079-0C11-4432-AF06-1C0DAC2DE24A}"/>
+                <a16:creationId xmlns:a16="http://schemas.microsoft.com/office/drawing/2014/main" id="{758CD7CC-3D54-4A63-B397-D4CC0E28AD22}"/>
               </a:ext>
             </a:extLst>
           </p:cNvPr>
@@ -6824,8 +6239,8 @@
         </p:nvSpPr>
         <p:spPr>
           <a:xfrm>
-            <a:off x="1370693" y="4511814"/>
-            <a:ext cx="9440034" cy="1130260"/>
+            <a:off x="1370693" y="4406537"/>
+            <a:ext cx="9440034" cy="1088336"/>
           </a:xfrm>
         </p:spPr>
         <p:txBody>
@@ -6835,54 +6250,74 @@
           <a:lstStyle/>
           <a:p>
             <a:r>
+              <a:rPr lang="en-US" sz="4800" dirty="0" err="1">
+                <a:solidFill>
+                  <a:srgbClr val="FF0000"/>
+                </a:solidFill>
+              </a:rPr>
+              <a:t>F</a:t>
+            </a:r>
+            <a:r>
+              <a:rPr lang="en-US" sz="4800" dirty="0" err="1"/>
+              <a:t>ájl</a:t>
+            </a:r>
+            <a:r>
+              <a:rPr lang="en-US" sz="4800" dirty="0"/>
+              <a:t> </a:t>
+            </a:r>
+            <a:r>
+              <a:rPr lang="en-US" sz="4800" dirty="0" err="1">
+                <a:solidFill>
+                  <a:srgbClr val="FF0000"/>
+                </a:solidFill>
+              </a:rPr>
+              <a:t>a</a:t>
+            </a:r>
+            <a:r>
+              <a:rPr lang="en-US" sz="4800" dirty="0" err="1"/>
+              <a:t>datainak</a:t>
+            </a:r>
+            <a:r>
+              <a:rPr lang="en-US" sz="4800" dirty="0"/>
+              <a:t> </a:t>
+            </a:r>
+            <a:r>
               <a:rPr lang="en-US" sz="4800" dirty="0">
                 <a:solidFill>
                   <a:srgbClr val="FF0000"/>
                 </a:solidFill>
               </a:rPr>
-              <a:t>G</a:t>
-            </a:r>
-            <a:r>
-              <a:rPr lang="en-US" sz="4800" dirty="0"/>
-              <a:t>it</a:t>
-            </a:r>
-            <a:r>
-              <a:rPr lang="en-US" sz="4800" dirty="0">
+              <a:t>a </a:t>
+            </a:r>
+            <a:r>
+              <a:rPr lang="en-US" sz="4800" dirty="0" err="1">
                 <a:solidFill>
                   <a:srgbClr val="FF0000"/>
                 </a:solidFill>
               </a:rPr>
-              <a:t>H</a:t>
-            </a:r>
-            <a:r>
-              <a:rPr lang="en-US" sz="4800" dirty="0"/>
-              <a:t>ub</a:t>
-            </a:r>
+              <a:t>k</a:t>
+            </a:r>
+            <a:r>
+              <a:rPr lang="en-US" sz="4800" dirty="0" err="1"/>
+              <a:t>iírása</a:t>
+            </a:r>
+            <a:endParaRPr lang="en-US" sz="4800" dirty="0"/>
           </a:p>
         </p:txBody>
       </p:sp>
       <p:pic>
         <p:nvPicPr>
-          <p:cNvPr id="13" name="Picture 12">
+          <p:cNvPr id="4" name="Kép 3" descr="A képen szöveg látható&#10;&#10;Automatikusan generált leírás">
             <a:extLst>
               <a:ext uri="{FF2B5EF4-FFF2-40B4-BE49-F238E27FC236}">
-                <a16:creationId xmlns:a16="http://schemas.microsoft.com/office/drawing/2014/main" id="{D04C0182-96E7-4A1B-8EAB-F910C2F3ED48}"/>
-              </a:ext>
-              <a:ext uri="{C183D7F6-B498-43B3-948B-1728B52AA6E4}">
-                <adec:decorative xmlns:adec="http://schemas.microsoft.com/office/drawing/2017/decorative" val="1"/>
+                <a16:creationId xmlns:a16="http://schemas.microsoft.com/office/drawing/2014/main" id="{E9D398D3-34EC-4221-BA97-D4E3B6D24589}"/>
               </a:ext>
             </a:extLst>
           </p:cNvPr>
           <p:cNvPicPr>
-            <a:picLocks noGrp="1" noRot="1" noChangeAspect="1" noMove="1" noResize="1" noEditPoints="1" noAdjustHandles="1" noChangeArrowheads="1" noChangeShapeType="1" noCrop="1"/>
+            <a:picLocks noChangeAspect="1"/>
           </p:cNvPicPr>
-          <p:nvPr>
-            <p:extLst>
-              <p:ext uri="{386F3935-93C4-4BCD-93E2-E3B085C9AB24}">
-                <p16:designElem xmlns:p16="http://schemas.microsoft.com/office/powerpoint/2015/main" val="1"/>
-              </p:ext>
-            </p:extLst>
-          </p:nvPr>
+          <p:nvPr/>
         </p:nvPicPr>
         <p:blipFill>
           <a:blip r:embed="rId3">
@@ -6898,116 +6333,8 @@
         </p:blipFill>
         <p:spPr>
           <a:xfrm>
-            <a:off x="643467" y="547807"/>
-            <a:ext cx="10905066" cy="3816806"/>
-          </a:xfrm>
-          <a:prstGeom prst="rect">
-            <a:avLst/>
-          </a:prstGeom>
-        </p:spPr>
-      </p:pic>
-      <p:pic>
-        <p:nvPicPr>
-          <p:cNvPr id="8" name="Kép 7" descr="A képen szöveg látható&#10;&#10;Automatikusan generált leírás">
-            <a:extLst>
-              <a:ext uri="{FF2B5EF4-FFF2-40B4-BE49-F238E27FC236}">
-                <a16:creationId xmlns:a16="http://schemas.microsoft.com/office/drawing/2014/main" id="{8CCF9381-2067-4AE8-87A1-1325E0AA9FF3}"/>
-              </a:ext>
-            </a:extLst>
-          </p:cNvPr>
-          <p:cNvPicPr>
-            <a:picLocks noChangeAspect="1"/>
-          </p:cNvPicPr>
-          <p:nvPr/>
-        </p:nvPicPr>
-        <p:blipFill>
-          <a:blip r:embed="rId4">
-            <a:extLst>
-              <a:ext uri="{28A0092B-C50C-407E-A947-70E740481C1C}">
-                <a14:useLocalDpi xmlns:a14="http://schemas.microsoft.com/office/drawing/2010/main" val="0"/>
-              </a:ext>
-            </a:extLst>
-          </a:blip>
-          <a:stretch>
-            <a:fillRect/>
-          </a:stretch>
-        </p:blipFill>
-        <p:spPr>
-          <a:xfrm>
-            <a:off x="917762" y="1444231"/>
-            <a:ext cx="3348470" cy="2009081"/>
-          </a:xfrm>
-          <a:prstGeom prst="rect">
-            <a:avLst/>
-          </a:prstGeom>
-        </p:spPr>
-      </p:pic>
-      <p:pic>
-        <p:nvPicPr>
-          <p:cNvPr id="6" name="Kép 5" descr="A képen szöveg látható&#10;&#10;Automatikusan generált leírás">
-            <a:extLst>
-              <a:ext uri="{FF2B5EF4-FFF2-40B4-BE49-F238E27FC236}">
-                <a16:creationId xmlns:a16="http://schemas.microsoft.com/office/drawing/2014/main" id="{224D9E6A-1CD7-46B0-8418-9C0F8ACE7892}"/>
-              </a:ext>
-            </a:extLst>
-          </p:cNvPr>
-          <p:cNvPicPr>
-            <a:picLocks noChangeAspect="1"/>
-          </p:cNvPicPr>
-          <p:nvPr/>
-        </p:nvPicPr>
-        <p:blipFill>
-          <a:blip r:embed="rId5">
-            <a:extLst>
-              <a:ext uri="{28A0092B-C50C-407E-A947-70E740481C1C}">
-                <a14:useLocalDpi xmlns:a14="http://schemas.microsoft.com/office/drawing/2010/main" val="0"/>
-              </a:ext>
-            </a:extLst>
-          </a:blip>
-          <a:stretch>
-            <a:fillRect/>
-          </a:stretch>
-        </p:blipFill>
-        <p:spPr>
-          <a:xfrm>
-            <a:off x="4428622" y="1282756"/>
-            <a:ext cx="3328040" cy="2354587"/>
-          </a:xfrm>
-          <a:prstGeom prst="rect">
-            <a:avLst/>
-          </a:prstGeom>
-        </p:spPr>
-      </p:pic>
-      <p:pic>
-        <p:nvPicPr>
-          <p:cNvPr id="4" name="Kép 3" descr="A képen szöveg látható&#10;&#10;Automatikusan generált leírás">
-            <a:extLst>
-              <a:ext uri="{FF2B5EF4-FFF2-40B4-BE49-F238E27FC236}">
-                <a16:creationId xmlns:a16="http://schemas.microsoft.com/office/drawing/2014/main" id="{A51DC108-F62D-4F2E-B583-D454CECD852E}"/>
-              </a:ext>
-            </a:extLst>
-          </p:cNvPr>
-          <p:cNvPicPr>
-            <a:picLocks noChangeAspect="1"/>
-          </p:cNvPicPr>
-          <p:nvPr/>
-        </p:nvPicPr>
-        <p:blipFill>
-          <a:blip r:embed="rId6">
-            <a:extLst>
-              <a:ext uri="{28A0092B-C50C-407E-A947-70E740481C1C}">
-                <a14:useLocalDpi xmlns:a14="http://schemas.microsoft.com/office/drawing/2010/main" val="0"/>
-              </a:ext>
-            </a:extLst>
-          </a:blip>
-          <a:stretch>
-            <a:fillRect/>
-          </a:stretch>
-        </p:blipFill>
-        <p:spPr>
-          <a:xfrm>
-            <a:off x="7919086" y="1548871"/>
-            <a:ext cx="3348470" cy="1799802"/>
+            <a:off x="1797731" y="643463"/>
+            <a:ext cx="8603326" cy="3249553"/>
           </a:xfrm>
           <a:prstGeom prst="rect">
             <a:avLst/>
@@ -7017,7 +6344,597 @@
     </p:spTree>
     <p:extLst>
       <p:ext uri="{BB962C8B-B14F-4D97-AF65-F5344CB8AC3E}">
-        <p14:creationId xmlns:p14="http://schemas.microsoft.com/office/powerpoint/2010/main" val="3722298478"/>
+        <p14:creationId xmlns:p14="http://schemas.microsoft.com/office/powerpoint/2010/main" val="4285121476"/>
+      </p:ext>
+    </p:extLst>
+  </p:cSld>
+  <p:clrMapOvr>
+    <a:masterClrMapping/>
+  </p:clrMapOvr>
+</p:sld>
+</file>
+
+<file path=ppt/slides/slide11.xml><?xml version="1.0" encoding="utf-8"?>
+<p:sld xmlns:a="http://schemas.openxmlformats.org/drawingml/2006/main" xmlns:r="http://schemas.openxmlformats.org/officeDocument/2006/relationships" xmlns:p="http://schemas.openxmlformats.org/presentationml/2006/main">
+  <p:cSld>
+    <p:spTree>
+      <p:nvGrpSpPr>
+        <p:cNvPr id="1" name=""/>
+        <p:cNvGrpSpPr/>
+        <p:nvPr/>
+      </p:nvGrpSpPr>
+      <p:grpSpPr>
+        <a:xfrm>
+          <a:off x="0" y="0"/>
+          <a:ext cx="0" cy="0"/>
+          <a:chOff x="0" y="0"/>
+          <a:chExt cx="0" cy="0"/>
+        </a:xfrm>
+      </p:grpSpPr>
+      <p:sp>
+        <p:nvSpPr>
+          <p:cNvPr id="2" name="Cím 1">
+            <a:extLst>
+              <a:ext uri="{FF2B5EF4-FFF2-40B4-BE49-F238E27FC236}">
+                <a16:creationId xmlns:a16="http://schemas.microsoft.com/office/drawing/2014/main" id="{E6A9A481-0E10-4BD1-B155-A52B560465B7}"/>
+              </a:ext>
+            </a:extLst>
+          </p:cNvPr>
+          <p:cNvSpPr>
+            <a:spLocks noGrp="1"/>
+          </p:cNvSpPr>
+          <p:nvPr>
+            <p:ph type="ctrTitle"/>
+          </p:nvPr>
+        </p:nvSpPr>
+        <p:spPr/>
+        <p:txBody>
+          <a:bodyPr/>
+          <a:lstStyle/>
+          <a:p>
+            <a:r>
+              <a:rPr lang="hu-HU" dirty="0">
+                <a:solidFill>
+                  <a:srgbClr val="FF0000"/>
+                </a:solidFill>
+              </a:rPr>
+              <a:t>T</a:t>
+            </a:r>
+            <a:r>
+              <a:rPr lang="hu-HU" dirty="0"/>
+              <a:t>ünde</a:t>
+            </a:r>
+          </a:p>
+        </p:txBody>
+      </p:sp>
+      <p:sp>
+        <p:nvSpPr>
+          <p:cNvPr id="3" name="Alcím 2">
+            <a:extLst>
+              <a:ext uri="{FF2B5EF4-FFF2-40B4-BE49-F238E27FC236}">
+                <a16:creationId xmlns:a16="http://schemas.microsoft.com/office/drawing/2014/main" id="{6920F21E-1ECF-4BD2-99DF-F142625116C6}"/>
+              </a:ext>
+            </a:extLst>
+          </p:cNvPr>
+          <p:cNvSpPr>
+            <a:spLocks noGrp="1"/>
+          </p:cNvSpPr>
+          <p:nvPr>
+            <p:ph type="subTitle" idx="1"/>
+          </p:nvPr>
+        </p:nvSpPr>
+        <p:spPr>
+          <a:xfrm>
+            <a:off x="1370693" y="3980079"/>
+            <a:ext cx="9440034" cy="1049867"/>
+          </a:xfrm>
+        </p:spPr>
+        <p:txBody>
+          <a:bodyPr/>
+          <a:lstStyle/>
+          <a:p>
+            <a:r>
+              <a:rPr lang="hu-HU" dirty="0">
+                <a:solidFill>
+                  <a:srgbClr val="FF0000"/>
+                </a:solidFill>
+              </a:rPr>
+              <a:t>F</a:t>
+            </a:r>
+            <a:r>
+              <a:rPr lang="hu-HU" dirty="0"/>
+              <a:t>estmény </a:t>
+            </a:r>
+            <a:r>
+              <a:rPr lang="hu-HU" dirty="0" err="1">
+                <a:solidFill>
+                  <a:srgbClr val="FF0000"/>
+                </a:solidFill>
+              </a:rPr>
+              <a:t>class</a:t>
+            </a:r>
+            <a:r>
+              <a:rPr lang="hu-HU" dirty="0"/>
+              <a:t> | </a:t>
+            </a:r>
+            <a:r>
+              <a:rPr lang="hu-HU" dirty="0">
+                <a:solidFill>
+                  <a:srgbClr val="FF0000"/>
+                </a:solidFill>
+              </a:rPr>
+              <a:t>S</a:t>
+            </a:r>
+            <a:r>
+              <a:rPr lang="hu-HU" dirty="0"/>
+              <a:t>tatisztikai </a:t>
+            </a:r>
+            <a:r>
+              <a:rPr lang="hu-HU" dirty="0">
+                <a:solidFill>
+                  <a:srgbClr val="FF0000"/>
+                </a:solidFill>
+              </a:rPr>
+              <a:t>a</a:t>
+            </a:r>
+            <a:r>
+              <a:rPr lang="hu-HU" dirty="0"/>
+              <a:t>datok </a:t>
+            </a:r>
+            <a:r>
+              <a:rPr lang="hu-HU" dirty="0">
+                <a:solidFill>
+                  <a:srgbClr val="FF0000"/>
+                </a:solidFill>
+              </a:rPr>
+              <a:t>sz</a:t>
+            </a:r>
+            <a:r>
+              <a:rPr lang="hu-HU" dirty="0"/>
+              <a:t>ámítása</a:t>
+            </a:r>
+            <a:endParaRPr lang="hu-HU" dirty="0">
+              <a:solidFill>
+                <a:srgbClr val="FF0000"/>
+              </a:solidFill>
+            </a:endParaRPr>
+          </a:p>
+        </p:txBody>
+      </p:sp>
+    </p:spTree>
+    <p:extLst>
+      <p:ext uri="{BB962C8B-B14F-4D97-AF65-F5344CB8AC3E}">
+        <p14:creationId xmlns:p14="http://schemas.microsoft.com/office/powerpoint/2010/main" val="603438987"/>
+      </p:ext>
+    </p:extLst>
+  </p:cSld>
+  <p:clrMapOvr>
+    <a:masterClrMapping/>
+  </p:clrMapOvr>
+</p:sld>
+</file>
+
+<file path=ppt/slides/slide12.xml><?xml version="1.0" encoding="utf-8"?>
+<p:sld xmlns:a="http://schemas.openxmlformats.org/drawingml/2006/main" xmlns:r="http://schemas.openxmlformats.org/officeDocument/2006/relationships" xmlns:p="http://schemas.openxmlformats.org/presentationml/2006/main">
+  <p:cSld>
+    <p:spTree>
+      <p:nvGrpSpPr>
+        <p:cNvPr id="1" name=""/>
+        <p:cNvGrpSpPr/>
+        <p:nvPr/>
+      </p:nvGrpSpPr>
+      <p:grpSpPr>
+        <a:xfrm>
+          <a:off x="0" y="0"/>
+          <a:ext cx="0" cy="0"/>
+          <a:chOff x="0" y="0"/>
+          <a:chExt cx="0" cy="0"/>
+        </a:xfrm>
+      </p:grpSpPr>
+      <p:sp>
+        <p:nvSpPr>
+          <p:cNvPr id="2" name="Cím 1">
+            <a:extLst>
+              <a:ext uri="{FF2B5EF4-FFF2-40B4-BE49-F238E27FC236}">
+                <a16:creationId xmlns:a16="http://schemas.microsoft.com/office/drawing/2014/main" id="{90879252-7F7C-4AA5-848D-580767CA1344}"/>
+              </a:ext>
+            </a:extLst>
+          </p:cNvPr>
+          <p:cNvSpPr>
+            <a:spLocks noGrp="1"/>
+          </p:cNvSpPr>
+          <p:nvPr>
+            <p:ph type="title"/>
+          </p:nvPr>
+        </p:nvSpPr>
+        <p:spPr/>
+        <p:txBody>
+          <a:bodyPr/>
+          <a:lstStyle/>
+          <a:p>
+            <a:r>
+              <a:rPr lang="hu-HU" dirty="0">
+                <a:solidFill>
+                  <a:srgbClr val="FF0000"/>
+                </a:solidFill>
+              </a:rPr>
+              <a:t>F</a:t>
+            </a:r>
+            <a:r>
+              <a:rPr lang="hu-HU" dirty="0"/>
+              <a:t>estmény </a:t>
+            </a:r>
+            <a:r>
+              <a:rPr lang="hu-HU" dirty="0" err="1">
+                <a:solidFill>
+                  <a:srgbClr val="FF0000"/>
+                </a:solidFill>
+              </a:rPr>
+              <a:t>class</a:t>
+            </a:r>
+            <a:endParaRPr lang="hu-HU" dirty="0">
+              <a:solidFill>
+                <a:srgbClr val="FF0000"/>
+              </a:solidFill>
+            </a:endParaRPr>
+          </a:p>
+        </p:txBody>
+      </p:sp>
+    </p:spTree>
+    <p:extLst>
+      <p:ext uri="{BB962C8B-B14F-4D97-AF65-F5344CB8AC3E}">
+        <p14:creationId xmlns:p14="http://schemas.microsoft.com/office/powerpoint/2010/main" val="3320082216"/>
+      </p:ext>
+    </p:extLst>
+  </p:cSld>
+  <p:clrMapOvr>
+    <a:masterClrMapping/>
+  </p:clrMapOvr>
+</p:sld>
+</file>
+
+<file path=ppt/slides/slide13.xml><?xml version="1.0" encoding="utf-8"?>
+<p:sld xmlns:a="http://schemas.openxmlformats.org/drawingml/2006/main" xmlns:r="http://schemas.openxmlformats.org/officeDocument/2006/relationships" xmlns:p="http://schemas.openxmlformats.org/presentationml/2006/main">
+  <p:cSld>
+    <p:spTree>
+      <p:nvGrpSpPr>
+        <p:cNvPr id="1" name=""/>
+        <p:cNvGrpSpPr/>
+        <p:nvPr/>
+      </p:nvGrpSpPr>
+      <p:grpSpPr>
+        <a:xfrm>
+          <a:off x="0" y="0"/>
+          <a:ext cx="0" cy="0"/>
+          <a:chOff x="0" y="0"/>
+          <a:chExt cx="0" cy="0"/>
+        </a:xfrm>
+      </p:grpSpPr>
+      <p:sp>
+        <p:nvSpPr>
+          <p:cNvPr id="2" name="Cím 1">
+            <a:extLst>
+              <a:ext uri="{FF2B5EF4-FFF2-40B4-BE49-F238E27FC236}">
+                <a16:creationId xmlns:a16="http://schemas.microsoft.com/office/drawing/2014/main" id="{358EEC91-1C6B-4FCE-A4B7-00D5345125A9}"/>
+              </a:ext>
+            </a:extLst>
+          </p:cNvPr>
+          <p:cNvSpPr>
+            <a:spLocks noGrp="1"/>
+          </p:cNvSpPr>
+          <p:nvPr>
+            <p:ph type="title"/>
+          </p:nvPr>
+        </p:nvSpPr>
+        <p:spPr>
+          <a:xfrm>
+            <a:off x="1295401" y="-458339"/>
+            <a:ext cx="9590550" cy="1828813"/>
+          </a:xfrm>
+        </p:spPr>
+        <p:txBody>
+          <a:bodyPr/>
+          <a:lstStyle/>
+          <a:p>
+            <a:r>
+              <a:rPr lang="hu-HU" dirty="0">
+                <a:solidFill>
+                  <a:srgbClr val="FF0000"/>
+                </a:solidFill>
+              </a:rPr>
+              <a:t>S</a:t>
+            </a:r>
+            <a:r>
+              <a:rPr lang="hu-HU" dirty="0"/>
+              <a:t>tatisztikai </a:t>
+            </a:r>
+            <a:r>
+              <a:rPr lang="hu-HU" dirty="0">
+                <a:solidFill>
+                  <a:srgbClr val="FF0000"/>
+                </a:solidFill>
+              </a:rPr>
+              <a:t>a</a:t>
+            </a:r>
+            <a:r>
+              <a:rPr lang="hu-HU" dirty="0"/>
+              <a:t>datok </a:t>
+            </a:r>
+            <a:r>
+              <a:rPr lang="hu-HU" dirty="0">
+                <a:solidFill>
+                  <a:srgbClr val="FF0000"/>
+                </a:solidFill>
+              </a:rPr>
+              <a:t>sz</a:t>
+            </a:r>
+            <a:r>
+              <a:rPr lang="hu-HU" dirty="0"/>
+              <a:t>ámítása</a:t>
+            </a:r>
+          </a:p>
+        </p:txBody>
+      </p:sp>
+      <p:sp>
+        <p:nvSpPr>
+          <p:cNvPr id="3" name="Szöveg helye 2">
+            <a:extLst>
+              <a:ext uri="{FF2B5EF4-FFF2-40B4-BE49-F238E27FC236}">
+                <a16:creationId xmlns:a16="http://schemas.microsoft.com/office/drawing/2014/main" id="{3220275B-BFB0-4E87-A83A-2AEC163E613C}"/>
+              </a:ext>
+            </a:extLst>
+          </p:cNvPr>
+          <p:cNvSpPr>
+            <a:spLocks noGrp="1"/>
+          </p:cNvSpPr>
+          <p:nvPr>
+            <p:ph type="body" idx="1"/>
+          </p:nvPr>
+        </p:nvSpPr>
+        <p:spPr>
+          <a:xfrm>
+            <a:off x="1295401" y="1611228"/>
+            <a:ext cx="9590550" cy="1507054"/>
+          </a:xfrm>
+        </p:spPr>
+        <p:txBody>
+          <a:bodyPr/>
+          <a:lstStyle/>
+          <a:p>
+            <a:r>
+              <a:rPr lang="hu-HU" dirty="0">
+                <a:solidFill>
+                  <a:srgbClr val="FF0000"/>
+                </a:solidFill>
+              </a:rPr>
+              <a:t>Á</a:t>
+            </a:r>
+            <a:r>
+              <a:rPr lang="hu-HU" dirty="0"/>
+              <a:t>tlag | </a:t>
+            </a:r>
+            <a:r>
+              <a:rPr lang="hu-HU" dirty="0">
+                <a:solidFill>
+                  <a:srgbClr val="FF0000"/>
+                </a:solidFill>
+              </a:rPr>
+              <a:t>M</a:t>
+            </a:r>
+            <a:r>
+              <a:rPr lang="hu-HU" dirty="0"/>
+              <a:t>inimum </a:t>
+            </a:r>
+            <a:r>
+              <a:rPr lang="hu-HU" dirty="0">
+                <a:solidFill>
+                  <a:srgbClr val="FF0000"/>
+                </a:solidFill>
+              </a:rPr>
+              <a:t>é</a:t>
+            </a:r>
+            <a:r>
+              <a:rPr lang="hu-HU" dirty="0"/>
+              <a:t>rték | </a:t>
+            </a:r>
+            <a:r>
+              <a:rPr lang="hu-HU" dirty="0">
+                <a:solidFill>
+                  <a:srgbClr val="FF0000"/>
+                </a:solidFill>
+              </a:rPr>
+              <a:t>M</a:t>
+            </a:r>
+            <a:r>
+              <a:rPr lang="hu-HU" dirty="0"/>
+              <a:t>aximum </a:t>
+            </a:r>
+            <a:r>
+              <a:rPr lang="hu-HU" dirty="0">
+                <a:solidFill>
+                  <a:srgbClr val="FF0000"/>
+                </a:solidFill>
+              </a:rPr>
+              <a:t>é</a:t>
+            </a:r>
+            <a:r>
+              <a:rPr lang="hu-HU" dirty="0"/>
+              <a:t>rték</a:t>
+            </a:r>
+          </a:p>
+        </p:txBody>
+      </p:sp>
+    </p:spTree>
+    <p:extLst>
+      <p:ext uri="{BB962C8B-B14F-4D97-AF65-F5344CB8AC3E}">
+        <p14:creationId xmlns:p14="http://schemas.microsoft.com/office/powerpoint/2010/main" val="865515215"/>
+      </p:ext>
+    </p:extLst>
+  </p:cSld>
+  <p:clrMapOvr>
+    <a:masterClrMapping/>
+  </p:clrMapOvr>
+</p:sld>
+</file>
+
+<file path=ppt/slides/slide14.xml><?xml version="1.0" encoding="utf-8"?>
+<p:sld xmlns:a="http://schemas.openxmlformats.org/drawingml/2006/main" xmlns:r="http://schemas.openxmlformats.org/officeDocument/2006/relationships" xmlns:p="http://schemas.openxmlformats.org/presentationml/2006/main">
+  <p:cSld>
+    <p:spTree>
+      <p:nvGrpSpPr>
+        <p:cNvPr id="1" name=""/>
+        <p:cNvGrpSpPr/>
+        <p:nvPr/>
+      </p:nvGrpSpPr>
+      <p:grpSpPr>
+        <a:xfrm>
+          <a:off x="0" y="0"/>
+          <a:ext cx="0" cy="0"/>
+          <a:chOff x="0" y="0"/>
+          <a:chExt cx="0" cy="0"/>
+        </a:xfrm>
+      </p:grpSpPr>
+      <p:sp>
+        <p:nvSpPr>
+          <p:cNvPr id="2" name="Cím 1">
+            <a:extLst>
+              <a:ext uri="{FF2B5EF4-FFF2-40B4-BE49-F238E27FC236}">
+                <a16:creationId xmlns:a16="http://schemas.microsoft.com/office/drawing/2014/main" id="{3FC3E6ED-7699-4456-8513-A38921E86ED6}"/>
+              </a:ext>
+            </a:extLst>
+          </p:cNvPr>
+          <p:cNvSpPr>
+            <a:spLocks noGrp="1"/>
+          </p:cNvSpPr>
+          <p:nvPr>
+            <p:ph type="ctrTitle"/>
+          </p:nvPr>
+        </p:nvSpPr>
+        <p:spPr/>
+        <p:txBody>
+          <a:bodyPr/>
+          <a:lstStyle/>
+          <a:p>
+            <a:r>
+              <a:rPr lang="hu-HU" dirty="0">
+                <a:solidFill>
+                  <a:srgbClr val="FF0000"/>
+                </a:solidFill>
+              </a:rPr>
+              <a:t>V</a:t>
+            </a:r>
+            <a:r>
+              <a:rPr lang="hu-HU" dirty="0"/>
+              <a:t>iktor</a:t>
+            </a:r>
+          </a:p>
+        </p:txBody>
+      </p:sp>
+      <p:sp>
+        <p:nvSpPr>
+          <p:cNvPr id="3" name="Alcím 2">
+            <a:extLst>
+              <a:ext uri="{FF2B5EF4-FFF2-40B4-BE49-F238E27FC236}">
+                <a16:creationId xmlns:a16="http://schemas.microsoft.com/office/drawing/2014/main" id="{9A7AA965-F591-472A-A105-E8B130B53C92}"/>
+              </a:ext>
+            </a:extLst>
+          </p:cNvPr>
+          <p:cNvSpPr>
+            <a:spLocks noGrp="1"/>
+          </p:cNvSpPr>
+          <p:nvPr>
+            <p:ph type="subTitle" idx="1"/>
+          </p:nvPr>
+        </p:nvSpPr>
+        <p:spPr>
+          <a:xfrm>
+            <a:off x="1381273" y="4077733"/>
+            <a:ext cx="9440034" cy="1049867"/>
+          </a:xfrm>
+        </p:spPr>
+        <p:txBody>
+          <a:bodyPr/>
+          <a:lstStyle/>
+          <a:p>
+            <a:r>
+              <a:rPr lang="hu-HU" dirty="0">
+                <a:solidFill>
+                  <a:srgbClr val="FF0000"/>
+                </a:solidFill>
+              </a:rPr>
+              <a:t>G</a:t>
+            </a:r>
+            <a:r>
+              <a:rPr lang="hu-HU" dirty="0"/>
+              <a:t>it</a:t>
+            </a:r>
+            <a:r>
+              <a:rPr lang="hu-HU" dirty="0">
+                <a:solidFill>
+                  <a:srgbClr val="FF0000"/>
+                </a:solidFill>
+              </a:rPr>
+              <a:t>H</a:t>
+            </a:r>
+            <a:r>
+              <a:rPr lang="hu-HU" dirty="0"/>
+              <a:t>ub | </a:t>
+            </a:r>
+            <a:r>
+              <a:rPr lang="hu-HU" dirty="0">
+                <a:solidFill>
+                  <a:srgbClr val="FF0000"/>
+                </a:solidFill>
+              </a:rPr>
+              <a:t>N</a:t>
+            </a:r>
+            <a:r>
+              <a:rPr lang="hu-HU" dirty="0"/>
+              <a:t>év</a:t>
+            </a:r>
+            <a:r>
+              <a:rPr lang="hu-HU" dirty="0">
+                <a:solidFill>
+                  <a:srgbClr val="FF0000"/>
+                </a:solidFill>
+              </a:rPr>
+              <a:t>k</a:t>
+            </a:r>
+            <a:r>
+              <a:rPr lang="hu-HU" dirty="0"/>
+              <a:t>ereső | </a:t>
+            </a:r>
+            <a:r>
+              <a:rPr lang="hu-HU" dirty="0">
+                <a:solidFill>
+                  <a:srgbClr val="FF0000"/>
+                </a:solidFill>
+              </a:rPr>
+              <a:t>S</a:t>
+            </a:r>
+            <a:r>
+              <a:rPr lang="hu-HU" dirty="0"/>
+              <a:t>tílus</a:t>
+            </a:r>
+            <a:r>
+              <a:rPr lang="hu-HU" dirty="0">
+                <a:solidFill>
+                  <a:srgbClr val="FF0000"/>
+                </a:solidFill>
+              </a:rPr>
+              <a:t>k</a:t>
+            </a:r>
+            <a:r>
+              <a:rPr lang="hu-HU" dirty="0"/>
+              <a:t>ereső</a:t>
+            </a:r>
+          </a:p>
+        </p:txBody>
+      </p:sp>
+    </p:spTree>
+    <p:extLst>
+      <p:ext uri="{BB962C8B-B14F-4D97-AF65-F5344CB8AC3E}">
+        <p14:creationId xmlns:p14="http://schemas.microsoft.com/office/powerpoint/2010/main" val="2446932827"/>
       </p:ext>
     </p:extLst>
   </p:cSld>
@@ -7068,7 +6985,7 @@
           <p:cNvPr id="2" name="Cím 1">
             <a:extLst>
               <a:ext uri="{FF2B5EF4-FFF2-40B4-BE49-F238E27FC236}">
-                <a16:creationId xmlns:a16="http://schemas.microsoft.com/office/drawing/2014/main" id="{E92AC4AD-5207-43F8-83F2-CEEB870DCBF6}"/>
+                <a16:creationId xmlns:a16="http://schemas.microsoft.com/office/drawing/2014/main" id="{01691079-0C11-4432-AF06-1C0DAC2DE24A}"/>
               </a:ext>
             </a:extLst>
           </p:cNvPr>
@@ -7092,7 +7009,7 @@
           <a:lstStyle/>
           <a:p>
             <a:r>
-              <a:rPr lang="hu-HU" sz="4800" dirty="0" err="1">
+              <a:rPr lang="en-US" sz="4800" dirty="0">
                 <a:solidFill>
                   <a:srgbClr val="FF0000"/>
                 </a:solidFill>
@@ -7100,48 +7017,27 @@
               <a:t>G</a:t>
             </a:r>
             <a:r>
-              <a:rPr lang="hu-HU" sz="4800" dirty="0" err="1">
-                <a:solidFill>
-                  <a:schemeClr val="tx1"/>
+              <a:rPr lang="en-US" sz="4800" dirty="0"/>
+              <a:t>it</a:t>
+            </a:r>
+            <a:r>
+              <a:rPr lang="en-US" sz="4800" dirty="0">
+                <a:solidFill>
+                  <a:srgbClr val="FF0000"/>
                 </a:solidFill>
               </a:rPr>
-              <a:t>it</a:t>
-            </a:r>
-            <a:r>
-              <a:rPr lang="hu-HU" sz="4800" dirty="0">
-                <a:solidFill>
-                  <a:srgbClr val="FF0000"/>
-                </a:solidFill>
-              </a:rPr>
-              <a:t> </a:t>
-            </a:r>
-            <a:r>
-              <a:rPr lang="hu-HU" sz="4800" dirty="0" err="1">
-                <a:solidFill>
-                  <a:srgbClr val="FF0000"/>
-                </a:solidFill>
-              </a:rPr>
-              <a:t>R</a:t>
-            </a:r>
-            <a:r>
-              <a:rPr lang="hu-HU" sz="4800" dirty="0" err="1">
-                <a:solidFill>
-                  <a:schemeClr val="tx1"/>
-                </a:solidFill>
-              </a:rPr>
-              <a:t>epository</a:t>
-            </a:r>
-            <a:endParaRPr lang="en-US" sz="4800" dirty="0">
-              <a:solidFill>
-                <a:schemeClr val="tx1"/>
-              </a:solidFill>
-            </a:endParaRPr>
+              <a:t>H</a:t>
+            </a:r>
+            <a:r>
+              <a:rPr lang="en-US" sz="4800" dirty="0"/>
+              <a:t>ub</a:t>
+            </a:r>
           </a:p>
         </p:txBody>
       </p:sp>
       <p:pic>
         <p:nvPicPr>
-          <p:cNvPr id="13" name="Picture 10">
+          <p:cNvPr id="13" name="Picture 12">
             <a:extLst>
               <a:ext uri="{FF2B5EF4-FFF2-40B4-BE49-F238E27FC236}">
                 <a16:creationId xmlns:a16="http://schemas.microsoft.com/office/drawing/2014/main" id="{D04C0182-96E7-4A1B-8EAB-F910C2F3ED48}"/>
@@ -7176,8 +7072,8 @@
         </p:blipFill>
         <p:spPr>
           <a:xfrm>
-            <a:off x="628022" y="547807"/>
-            <a:ext cx="10935956" cy="3816806"/>
+            <a:off x="643467" y="547807"/>
+            <a:ext cx="10905066" cy="3816806"/>
           </a:xfrm>
           <a:prstGeom prst="rect">
             <a:avLst/>
@@ -7186,10 +7082,10 @@
       </p:pic>
       <p:pic>
         <p:nvPicPr>
-          <p:cNvPr id="6" name="Kép 5" descr="A képen szöveg látható&#10;&#10;Automatikusan generált leírás">
+          <p:cNvPr id="8" name="Kép 7" descr="A képen szöveg látható&#10;&#10;Automatikusan generált leírás">
             <a:extLst>
               <a:ext uri="{FF2B5EF4-FFF2-40B4-BE49-F238E27FC236}">
-                <a16:creationId xmlns:a16="http://schemas.microsoft.com/office/drawing/2014/main" id="{667A652F-D16C-4FDA-8D22-8EDE2085AC38}"/>
+                <a16:creationId xmlns:a16="http://schemas.microsoft.com/office/drawing/2014/main" id="{8CCF9381-2067-4AE8-87A1-1325E0AA9FF3}"/>
               </a:ext>
             </a:extLst>
           </p:cNvPr>
@@ -7212,8 +7108,8 @@
         </p:blipFill>
         <p:spPr>
           <a:xfrm>
-            <a:off x="1189450" y="839047"/>
-            <a:ext cx="4550460" cy="3219450"/>
+            <a:off x="917762" y="1444231"/>
+            <a:ext cx="3348470" cy="2009081"/>
           </a:xfrm>
           <a:prstGeom prst="rect">
             <a:avLst/>
@@ -7222,10 +7118,10 @@
       </p:pic>
       <p:pic>
         <p:nvPicPr>
-          <p:cNvPr id="4" name="Kép 3" descr="A képen szöveg látható&#10;&#10;Automatikusan generált leírás">
+          <p:cNvPr id="6" name="Kép 5" descr="A képen szöveg látható&#10;&#10;Automatikusan generált leírás">
             <a:extLst>
               <a:ext uri="{FF2B5EF4-FFF2-40B4-BE49-F238E27FC236}">
-                <a16:creationId xmlns:a16="http://schemas.microsoft.com/office/drawing/2014/main" id="{FFC80FC4-317D-4128-9864-0C76C3334A87}"/>
+                <a16:creationId xmlns:a16="http://schemas.microsoft.com/office/drawing/2014/main" id="{224D9E6A-1CD7-46B0-8418-9C0F8ACE7892}"/>
               </a:ext>
             </a:extLst>
           </p:cNvPr>
@@ -7248,8 +7144,44 @@
         </p:blipFill>
         <p:spPr>
           <a:xfrm>
-            <a:off x="6170821" y="1077515"/>
-            <a:ext cx="5102352" cy="2742514"/>
+            <a:off x="4428622" y="1282756"/>
+            <a:ext cx="3328040" cy="2354587"/>
+          </a:xfrm>
+          <a:prstGeom prst="rect">
+            <a:avLst/>
+          </a:prstGeom>
+        </p:spPr>
+      </p:pic>
+      <p:pic>
+        <p:nvPicPr>
+          <p:cNvPr id="4" name="Kép 3" descr="A képen szöveg látható&#10;&#10;Automatikusan generált leírás">
+            <a:extLst>
+              <a:ext uri="{FF2B5EF4-FFF2-40B4-BE49-F238E27FC236}">
+                <a16:creationId xmlns:a16="http://schemas.microsoft.com/office/drawing/2014/main" id="{A51DC108-F62D-4F2E-B583-D454CECD852E}"/>
+              </a:ext>
+            </a:extLst>
+          </p:cNvPr>
+          <p:cNvPicPr>
+            <a:picLocks noChangeAspect="1"/>
+          </p:cNvPicPr>
+          <p:nvPr/>
+        </p:nvPicPr>
+        <p:blipFill>
+          <a:blip r:embed="rId6">
+            <a:extLst>
+              <a:ext uri="{28A0092B-C50C-407E-A947-70E740481C1C}">
+                <a14:useLocalDpi xmlns:a14="http://schemas.microsoft.com/office/drawing/2010/main" val="0"/>
+              </a:ext>
+            </a:extLst>
+          </a:blip>
+          <a:stretch>
+            <a:fillRect/>
+          </a:stretch>
+        </p:blipFill>
+        <p:spPr>
+          <a:xfrm>
+            <a:off x="7919086" y="1548871"/>
+            <a:ext cx="3348470" cy="1799802"/>
           </a:xfrm>
           <a:prstGeom prst="rect">
             <a:avLst/>
@@ -7259,7 +7191,7 @@
     </p:spTree>
     <p:extLst>
       <p:ext uri="{BB962C8B-B14F-4D97-AF65-F5344CB8AC3E}">
-        <p14:creationId xmlns:p14="http://schemas.microsoft.com/office/powerpoint/2010/main" val="562826775"/>
+        <p14:creationId xmlns:p14="http://schemas.microsoft.com/office/powerpoint/2010/main" val="3722298478"/>
       </p:ext>
     </p:extLst>
   </p:cSld>
@@ -7310,6 +7242,248 @@
           <p:cNvPr id="2" name="Cím 1">
             <a:extLst>
               <a:ext uri="{FF2B5EF4-FFF2-40B4-BE49-F238E27FC236}">
+                <a16:creationId xmlns:a16="http://schemas.microsoft.com/office/drawing/2014/main" id="{E92AC4AD-5207-43F8-83F2-CEEB870DCBF6}"/>
+              </a:ext>
+            </a:extLst>
+          </p:cNvPr>
+          <p:cNvSpPr>
+            <a:spLocks noGrp="1"/>
+          </p:cNvSpPr>
+          <p:nvPr>
+            <p:ph type="title"/>
+          </p:nvPr>
+        </p:nvSpPr>
+        <p:spPr>
+          <a:xfrm>
+            <a:off x="1370693" y="4511814"/>
+            <a:ext cx="9440034" cy="1130260"/>
+          </a:xfrm>
+        </p:spPr>
+        <p:txBody>
+          <a:bodyPr vert="horz" lIns="91440" tIns="45720" rIns="91440" bIns="45720" rtlCol="0" anchor="b">
+            <a:normAutofit/>
+          </a:bodyPr>
+          <a:lstStyle/>
+          <a:p>
+            <a:r>
+              <a:rPr lang="hu-HU" sz="4800" dirty="0" err="1">
+                <a:solidFill>
+                  <a:srgbClr val="FF0000"/>
+                </a:solidFill>
+              </a:rPr>
+              <a:t>G</a:t>
+            </a:r>
+            <a:r>
+              <a:rPr lang="hu-HU" sz="4800" dirty="0" err="1">
+                <a:solidFill>
+                  <a:schemeClr val="tx1"/>
+                </a:solidFill>
+              </a:rPr>
+              <a:t>it</a:t>
+            </a:r>
+            <a:r>
+              <a:rPr lang="hu-HU" sz="4800" dirty="0">
+                <a:solidFill>
+                  <a:srgbClr val="FF0000"/>
+                </a:solidFill>
+              </a:rPr>
+              <a:t> </a:t>
+            </a:r>
+            <a:r>
+              <a:rPr lang="hu-HU" sz="4800" dirty="0" err="1">
+                <a:solidFill>
+                  <a:srgbClr val="FF0000"/>
+                </a:solidFill>
+              </a:rPr>
+              <a:t>R</a:t>
+            </a:r>
+            <a:r>
+              <a:rPr lang="hu-HU" sz="4800" dirty="0" err="1">
+                <a:solidFill>
+                  <a:schemeClr val="tx1"/>
+                </a:solidFill>
+              </a:rPr>
+              <a:t>epository</a:t>
+            </a:r>
+            <a:endParaRPr lang="en-US" sz="4800" dirty="0">
+              <a:solidFill>
+                <a:schemeClr val="tx1"/>
+              </a:solidFill>
+            </a:endParaRPr>
+          </a:p>
+        </p:txBody>
+      </p:sp>
+      <p:pic>
+        <p:nvPicPr>
+          <p:cNvPr id="13" name="Picture 10">
+            <a:extLst>
+              <a:ext uri="{FF2B5EF4-FFF2-40B4-BE49-F238E27FC236}">
+                <a16:creationId xmlns:a16="http://schemas.microsoft.com/office/drawing/2014/main" id="{D04C0182-96E7-4A1B-8EAB-F910C2F3ED48}"/>
+              </a:ext>
+              <a:ext uri="{C183D7F6-B498-43B3-948B-1728B52AA6E4}">
+                <adec:decorative xmlns:adec="http://schemas.microsoft.com/office/drawing/2017/decorative" val="1"/>
+              </a:ext>
+            </a:extLst>
+          </p:cNvPr>
+          <p:cNvPicPr>
+            <a:picLocks noGrp="1" noRot="1" noChangeAspect="1" noMove="1" noResize="1" noEditPoints="1" noAdjustHandles="1" noChangeArrowheads="1" noChangeShapeType="1" noCrop="1"/>
+          </p:cNvPicPr>
+          <p:nvPr>
+            <p:extLst>
+              <p:ext uri="{386F3935-93C4-4BCD-93E2-E3B085C9AB24}">
+                <p16:designElem xmlns:p16="http://schemas.microsoft.com/office/powerpoint/2015/main" val="1"/>
+              </p:ext>
+            </p:extLst>
+          </p:nvPr>
+        </p:nvPicPr>
+        <p:blipFill>
+          <a:blip r:embed="rId3">
+            <a:extLst>
+              <a:ext uri="{28A0092B-C50C-407E-A947-70E740481C1C}">
+                <a14:useLocalDpi xmlns:a14="http://schemas.microsoft.com/office/drawing/2010/main" val="0"/>
+              </a:ext>
+            </a:extLst>
+          </a:blip>
+          <a:stretch>
+            <a:fillRect/>
+          </a:stretch>
+        </p:blipFill>
+        <p:spPr>
+          <a:xfrm>
+            <a:off x="628022" y="547807"/>
+            <a:ext cx="10935956" cy="3816806"/>
+          </a:xfrm>
+          <a:prstGeom prst="rect">
+            <a:avLst/>
+          </a:prstGeom>
+        </p:spPr>
+      </p:pic>
+      <p:pic>
+        <p:nvPicPr>
+          <p:cNvPr id="6" name="Kép 5" descr="A képen szöveg látható&#10;&#10;Automatikusan generált leírás">
+            <a:extLst>
+              <a:ext uri="{FF2B5EF4-FFF2-40B4-BE49-F238E27FC236}">
+                <a16:creationId xmlns:a16="http://schemas.microsoft.com/office/drawing/2014/main" id="{667A652F-D16C-4FDA-8D22-8EDE2085AC38}"/>
+              </a:ext>
+            </a:extLst>
+          </p:cNvPr>
+          <p:cNvPicPr>
+            <a:picLocks noChangeAspect="1"/>
+          </p:cNvPicPr>
+          <p:nvPr/>
+        </p:nvPicPr>
+        <p:blipFill>
+          <a:blip r:embed="rId4">
+            <a:extLst>
+              <a:ext uri="{28A0092B-C50C-407E-A947-70E740481C1C}">
+                <a14:useLocalDpi xmlns:a14="http://schemas.microsoft.com/office/drawing/2010/main" val="0"/>
+              </a:ext>
+            </a:extLst>
+          </a:blip>
+          <a:stretch>
+            <a:fillRect/>
+          </a:stretch>
+        </p:blipFill>
+        <p:spPr>
+          <a:xfrm>
+            <a:off x="1189450" y="839047"/>
+            <a:ext cx="4550460" cy="3219450"/>
+          </a:xfrm>
+          <a:prstGeom prst="rect">
+            <a:avLst/>
+          </a:prstGeom>
+        </p:spPr>
+      </p:pic>
+      <p:pic>
+        <p:nvPicPr>
+          <p:cNvPr id="4" name="Kép 3" descr="A képen szöveg látható&#10;&#10;Automatikusan generált leírás">
+            <a:extLst>
+              <a:ext uri="{FF2B5EF4-FFF2-40B4-BE49-F238E27FC236}">
+                <a16:creationId xmlns:a16="http://schemas.microsoft.com/office/drawing/2014/main" id="{FFC80FC4-317D-4128-9864-0C76C3334A87}"/>
+              </a:ext>
+            </a:extLst>
+          </p:cNvPr>
+          <p:cNvPicPr>
+            <a:picLocks noChangeAspect="1"/>
+          </p:cNvPicPr>
+          <p:nvPr/>
+        </p:nvPicPr>
+        <p:blipFill>
+          <a:blip r:embed="rId5">
+            <a:extLst>
+              <a:ext uri="{28A0092B-C50C-407E-A947-70E740481C1C}">
+                <a14:useLocalDpi xmlns:a14="http://schemas.microsoft.com/office/drawing/2010/main" val="0"/>
+              </a:ext>
+            </a:extLst>
+          </a:blip>
+          <a:stretch>
+            <a:fillRect/>
+          </a:stretch>
+        </p:blipFill>
+        <p:spPr>
+          <a:xfrm>
+            <a:off x="6170821" y="1077515"/>
+            <a:ext cx="5102352" cy="2742514"/>
+          </a:xfrm>
+          <a:prstGeom prst="rect">
+            <a:avLst/>
+          </a:prstGeom>
+        </p:spPr>
+      </p:pic>
+    </p:spTree>
+    <p:extLst>
+      <p:ext uri="{BB962C8B-B14F-4D97-AF65-F5344CB8AC3E}">
+        <p14:creationId xmlns:p14="http://schemas.microsoft.com/office/powerpoint/2010/main" val="562826775"/>
+      </p:ext>
+    </p:extLst>
+  </p:cSld>
+  <p:clrMapOvr>
+    <a:masterClrMapping/>
+  </p:clrMapOvr>
+</p:sld>
+</file>
+
+<file path=ppt/slides/slide17.xml><?xml version="1.0" encoding="utf-8"?>
+<p:sld xmlns:a="http://schemas.openxmlformats.org/drawingml/2006/main" xmlns:r="http://schemas.openxmlformats.org/officeDocument/2006/relationships" xmlns:p="http://schemas.openxmlformats.org/presentationml/2006/main">
+  <p:cSld>
+    <p:bg>
+      <p:bgPr>
+        <a:blipFill rotWithShape="1">
+          <a:blip r:embed="rId2">
+            <a:duotone>
+              <a:schemeClr val="bg2">
+                <a:shade val="80000"/>
+                <a:lumMod val="80000"/>
+              </a:schemeClr>
+              <a:schemeClr val="bg2">
+                <a:tint val="98000"/>
+              </a:schemeClr>
+            </a:duotone>
+          </a:blip>
+          <a:stretch/>
+        </a:blipFill>
+        <a:effectLst/>
+      </p:bgPr>
+    </p:bg>
+    <p:spTree>
+      <p:nvGrpSpPr>
+        <p:cNvPr id="1" name=""/>
+        <p:cNvGrpSpPr/>
+        <p:nvPr/>
+      </p:nvGrpSpPr>
+      <p:grpSpPr>
+        <a:xfrm>
+          <a:off x="0" y="0"/>
+          <a:ext cx="0" cy="0"/>
+          <a:chOff x="0" y="0"/>
+          <a:chExt cx="0" cy="0"/>
+        </a:xfrm>
+      </p:grpSpPr>
+      <p:sp>
+        <p:nvSpPr>
+          <p:cNvPr id="2" name="Cím 1">
+            <a:extLst>
+              <a:ext uri="{FF2B5EF4-FFF2-40B4-BE49-F238E27FC236}">
                 <a16:creationId xmlns:a16="http://schemas.microsoft.com/office/drawing/2014/main" id="{AF22D5F5-443A-4F05-9969-425F73CDFCAF}"/>
               </a:ext>
             </a:extLst>
@@ -7495,96 +7669,6 @@
 </p:sld>
 </file>
 
-<file path=ppt/slides/slide17.xml><?xml version="1.0" encoding="utf-8"?>
-<p:sld xmlns:a="http://schemas.openxmlformats.org/drawingml/2006/main" xmlns:r="http://schemas.openxmlformats.org/officeDocument/2006/relationships" xmlns:p="http://schemas.openxmlformats.org/presentationml/2006/main">
-  <p:cSld>
-    <p:spTree>
-      <p:nvGrpSpPr>
-        <p:cNvPr id="1" name=""/>
-        <p:cNvGrpSpPr/>
-        <p:nvPr/>
-      </p:nvGrpSpPr>
-      <p:grpSpPr>
-        <a:xfrm>
-          <a:off x="0" y="0"/>
-          <a:ext cx="0" cy="0"/>
-          <a:chOff x="0" y="0"/>
-          <a:chExt cx="0" cy="0"/>
-        </a:xfrm>
-      </p:grpSpPr>
-      <p:sp>
-        <p:nvSpPr>
-          <p:cNvPr id="2" name="Cím 1">
-            <a:extLst>
-              <a:ext uri="{FF2B5EF4-FFF2-40B4-BE49-F238E27FC236}">
-                <a16:creationId xmlns:a16="http://schemas.microsoft.com/office/drawing/2014/main" id="{D101CD60-D465-4A3E-BDB5-1073856E3432}"/>
-              </a:ext>
-            </a:extLst>
-          </p:cNvPr>
-          <p:cNvSpPr>
-            <a:spLocks noGrp="1"/>
-          </p:cNvSpPr>
-          <p:nvPr>
-            <p:ph type="title"/>
-          </p:nvPr>
-        </p:nvSpPr>
-        <p:spPr/>
-        <p:txBody>
-          <a:bodyPr/>
-          <a:lstStyle/>
-          <a:p>
-            <a:r>
-              <a:rPr lang="hu-HU" dirty="0">
-                <a:solidFill>
-                  <a:srgbClr val="FF0000"/>
-                </a:solidFill>
-              </a:rPr>
-              <a:t>N</a:t>
-            </a:r>
-            <a:r>
-              <a:rPr lang="hu-HU" dirty="0"/>
-              <a:t>év- és </a:t>
-            </a:r>
-            <a:r>
-              <a:rPr lang="hu-HU" dirty="0">
-                <a:solidFill>
-                  <a:srgbClr val="FF0000"/>
-                </a:solidFill>
-              </a:rPr>
-              <a:t>st</a:t>
-            </a:r>
-            <a:r>
-              <a:rPr lang="hu-HU" dirty="0"/>
-              <a:t>ílus</a:t>
-            </a:r>
-            <a:r>
-              <a:rPr lang="hu-HU" dirty="0">
-                <a:solidFill>
-                  <a:srgbClr val="FF0000"/>
-                </a:solidFill>
-              </a:rPr>
-              <a:t>k</a:t>
-            </a:r>
-            <a:r>
-              <a:rPr lang="hu-HU" dirty="0"/>
-              <a:t>ereső</a:t>
-            </a:r>
-          </a:p>
-        </p:txBody>
-      </p:sp>
-    </p:spTree>
-    <p:extLst>
-      <p:ext uri="{BB962C8B-B14F-4D97-AF65-F5344CB8AC3E}">
-        <p14:creationId xmlns:p14="http://schemas.microsoft.com/office/powerpoint/2010/main" val="3081361261"/>
-      </p:ext>
-    </p:extLst>
-  </p:cSld>
-  <p:clrMapOvr>
-    <a:masterClrMapping/>
-  </p:clrMapOvr>
-</p:sld>
-</file>
-
 <file path=ppt/slides/slide18.xml><?xml version="1.0" encoding="utf-8"?>
 <p:sld xmlns:a="http://schemas.openxmlformats.org/drawingml/2006/main" xmlns:r="http://schemas.openxmlformats.org/officeDocument/2006/relationships" xmlns:p="http://schemas.openxmlformats.org/presentationml/2006/main">
   <p:cSld>
@@ -7607,7 +7691,7 @@
           <p:cNvPr id="2" name="Cím 1">
             <a:extLst>
               <a:ext uri="{FF2B5EF4-FFF2-40B4-BE49-F238E27FC236}">
-                <a16:creationId xmlns:a16="http://schemas.microsoft.com/office/drawing/2014/main" id="{D5EB7A0B-400B-4C72-ADA9-A8FB47025776}"/>
+                <a16:creationId xmlns:a16="http://schemas.microsoft.com/office/drawing/2014/main" id="{D101CD60-D465-4A3E-BDB5-1073856E3432}"/>
               </a:ext>
             </a:extLst>
           </p:cNvPr>
@@ -7615,7 +7699,7 @@
             <a:spLocks noGrp="1"/>
           </p:cNvSpPr>
           <p:nvPr>
-            <p:ph type="ctrTitle"/>
+            <p:ph type="title"/>
           </p:nvPr>
         </p:nvSpPr>
         <p:spPr/>
@@ -7629,56 +7713,23 @@
                   <a:srgbClr val="FF0000"/>
                 </a:solidFill>
               </a:rPr>
-              <a:t>J</a:t>
+              <a:t>N</a:t>
             </a:r>
             <a:r>
               <a:rPr lang="hu-HU" dirty="0"/>
-              <a:t>ános</a:t>
-            </a:r>
-          </a:p>
-        </p:txBody>
-      </p:sp>
-      <p:sp>
-        <p:nvSpPr>
-          <p:cNvPr id="3" name="Alcím 2">
-            <a:extLst>
-              <a:ext uri="{FF2B5EF4-FFF2-40B4-BE49-F238E27FC236}">
-                <a16:creationId xmlns:a16="http://schemas.microsoft.com/office/drawing/2014/main" id="{40CB8D0F-5BF7-49B0-B9C2-86B4D0DFE7C8}"/>
-              </a:ext>
-            </a:extLst>
-          </p:cNvPr>
-          <p:cNvSpPr>
-            <a:spLocks noGrp="1"/>
-          </p:cNvSpPr>
-          <p:nvPr>
-            <p:ph type="subTitle" idx="1"/>
-          </p:nvPr>
-        </p:nvSpPr>
-        <p:spPr>
-          <a:xfrm>
-            <a:off x="1370693" y="4139877"/>
-            <a:ext cx="9440034" cy="1049867"/>
-          </a:xfrm>
-        </p:spPr>
-        <p:txBody>
-          <a:bodyPr/>
-          <a:lstStyle/>
-          <a:p>
-            <a:r>
-              <a:rPr lang="hu-HU" dirty="0" err="1">
+              <a:t>év- és </a:t>
+            </a:r>
+            <a:r>
+              <a:rPr lang="hu-HU" dirty="0">
                 <a:solidFill>
                   <a:srgbClr val="FF0000"/>
                 </a:solidFill>
               </a:rPr>
-              <a:t>T</a:t>
-            </a:r>
-            <a:r>
-              <a:rPr lang="hu-HU" dirty="0" err="1"/>
-              <a:t>rello</a:t>
+              <a:t>st</a:t>
             </a:r>
             <a:r>
               <a:rPr lang="hu-HU" dirty="0"/>
-              <a:t> | </a:t>
+              <a:t>ílus</a:t>
             </a:r>
             <a:r>
               <a:rPr lang="hu-HU" dirty="0">
@@ -7686,107 +7737,11 @@
                   <a:srgbClr val="FF0000"/>
                 </a:solidFill>
               </a:rPr>
-              <a:t>F</a:t>
+              <a:t>k</a:t>
             </a:r>
             <a:r>
               <a:rPr lang="hu-HU" dirty="0"/>
-              <a:t>ő</a:t>
-            </a:r>
-            <a:r>
-              <a:rPr lang="hu-HU" dirty="0">
-                <a:solidFill>
-                  <a:srgbClr val="FF0000"/>
-                </a:solidFill>
-              </a:rPr>
-              <a:t>pr</a:t>
-            </a:r>
-            <a:r>
-              <a:rPr lang="hu-HU" dirty="0"/>
-              <a:t>ogram és </a:t>
-            </a:r>
-            <a:r>
-              <a:rPr lang="hu-HU" dirty="0">
-                <a:solidFill>
-                  <a:srgbClr val="FF0000"/>
-                </a:solidFill>
-              </a:rPr>
-              <a:t>m</a:t>
-            </a:r>
-            <a:r>
-              <a:rPr lang="hu-HU" dirty="0"/>
-              <a:t>enü | </a:t>
-            </a:r>
-            <a:r>
-              <a:rPr lang="hu-HU" dirty="0">
-                <a:solidFill>
-                  <a:srgbClr val="FF0000"/>
-                </a:solidFill>
-              </a:rPr>
-              <a:t>Új f</a:t>
-            </a:r>
-            <a:r>
-              <a:rPr lang="hu-HU" dirty="0"/>
-              <a:t>estmény</a:t>
-            </a:r>
-            <a:r>
-              <a:rPr lang="hu-HU" dirty="0">
-                <a:solidFill>
-                  <a:srgbClr val="FF0000"/>
-                </a:solidFill>
-              </a:rPr>
-              <a:t> o</a:t>
-            </a:r>
-            <a:r>
-              <a:rPr lang="hu-HU" dirty="0"/>
-              <a:t>bjektumok </a:t>
-            </a:r>
-            <a:r>
-              <a:rPr lang="hu-HU" dirty="0">
-                <a:solidFill>
-                  <a:srgbClr val="FF0000"/>
-                </a:solidFill>
-              </a:rPr>
-              <a:t>f</a:t>
-            </a:r>
-            <a:r>
-              <a:rPr lang="hu-HU" dirty="0"/>
-              <a:t>elvitele és </a:t>
-            </a:r>
-            <a:r>
-              <a:rPr lang="hu-HU" dirty="0">
-                <a:solidFill>
-                  <a:srgbClr val="FF0000"/>
-                </a:solidFill>
-              </a:rPr>
-              <a:t>m</a:t>
-            </a:r>
-            <a:r>
-              <a:rPr lang="hu-HU" dirty="0"/>
-              <a:t>entése | </a:t>
-            </a:r>
-            <a:r>
-              <a:rPr lang="hu-HU" dirty="0">
-                <a:solidFill>
-                  <a:srgbClr val="FF0000"/>
-                </a:solidFill>
-              </a:rPr>
-              <a:t>F</a:t>
-            </a:r>
-            <a:r>
-              <a:rPr lang="hu-HU" dirty="0"/>
-              <a:t>elhasználói </a:t>
-            </a:r>
-            <a:r>
-              <a:rPr lang="hu-HU" dirty="0">
-                <a:solidFill>
-                  <a:srgbClr val="FF0000"/>
-                </a:solidFill>
-              </a:rPr>
-              <a:t>d</a:t>
-            </a:r>
-            <a:r>
-              <a:rPr lang="hu-HU" dirty="0"/>
-              <a:t>okumentáció</a:t>
+              <a:t>ereső</a:t>
             </a:r>
           </a:p>
         </p:txBody>
@@ -7794,7 +7749,7 @@
     </p:spTree>
     <p:extLst>
       <p:ext uri="{BB962C8B-B14F-4D97-AF65-F5344CB8AC3E}">
-        <p14:creationId xmlns:p14="http://schemas.microsoft.com/office/powerpoint/2010/main" val="2357844105"/>
+        <p14:creationId xmlns:p14="http://schemas.microsoft.com/office/powerpoint/2010/main" val="3081361261"/>
       </p:ext>
     </p:extLst>
   </p:cSld>
@@ -7821,48 +7776,12 @@
           <a:chExt cx="0" cy="0"/>
         </a:xfrm>
       </p:grpSpPr>
-      <p:pic>
-        <p:nvPicPr>
-          <p:cNvPr id="4" name="Kép 3" descr="A képen szöveg, beltéri, képernyőkép látható&#10;&#10;Automatikusan generált leírás">
-            <a:extLst>
-              <a:ext uri="{FF2B5EF4-FFF2-40B4-BE49-F238E27FC236}">
-                <a16:creationId xmlns:a16="http://schemas.microsoft.com/office/drawing/2014/main" id="{05598562-FA26-4DBA-85F3-CD55BF202CCB}"/>
-              </a:ext>
-            </a:extLst>
-          </p:cNvPr>
-          <p:cNvPicPr>
-            <a:picLocks noChangeAspect="1"/>
-          </p:cNvPicPr>
-          <p:nvPr/>
-        </p:nvPicPr>
-        <p:blipFill>
-          <a:blip r:embed="rId2">
-            <a:extLst>
-              <a:ext uri="{28A0092B-C50C-407E-A947-70E740481C1C}">
-                <a14:useLocalDpi xmlns:a14="http://schemas.microsoft.com/office/drawing/2010/main" val="0"/>
-              </a:ext>
-            </a:extLst>
-          </a:blip>
-          <a:stretch>
-            <a:fillRect/>
-          </a:stretch>
-        </p:blipFill>
-        <p:spPr>
-          <a:xfrm>
-            <a:off x="0" y="455573"/>
-            <a:ext cx="12192000" cy="5946853"/>
-          </a:xfrm>
-          <a:prstGeom prst="rect">
-            <a:avLst/>
-          </a:prstGeom>
-        </p:spPr>
-      </p:pic>
       <p:sp>
         <p:nvSpPr>
           <p:cNvPr id="2" name="Cím 1">
             <a:extLst>
               <a:ext uri="{FF2B5EF4-FFF2-40B4-BE49-F238E27FC236}">
-                <a16:creationId xmlns:a16="http://schemas.microsoft.com/office/drawing/2014/main" id="{A16F52FE-9483-4212-8FC3-08E698B2CA80}"/>
+                <a16:creationId xmlns:a16="http://schemas.microsoft.com/office/drawing/2014/main" id="{D5EB7A0B-400B-4C72-ADA9-A8FB47025776}"/>
               </a:ext>
             </a:extLst>
           </p:cNvPr>
@@ -7870,13 +7789,49 @@
             <a:spLocks noGrp="1"/>
           </p:cNvSpPr>
           <p:nvPr>
-            <p:ph type="title"/>
+            <p:ph type="ctrTitle"/>
+          </p:nvPr>
+        </p:nvSpPr>
+        <p:spPr/>
+        <p:txBody>
+          <a:bodyPr/>
+          <a:lstStyle/>
+          <a:p>
+            <a:r>
+              <a:rPr lang="hu-HU" dirty="0">
+                <a:solidFill>
+                  <a:srgbClr val="FF0000"/>
+                </a:solidFill>
+              </a:rPr>
+              <a:t>J</a:t>
+            </a:r>
+            <a:r>
+              <a:rPr lang="hu-HU" dirty="0"/>
+              <a:t>ános</a:t>
+            </a:r>
+          </a:p>
+        </p:txBody>
+      </p:sp>
+      <p:sp>
+        <p:nvSpPr>
+          <p:cNvPr id="3" name="Alcím 2">
+            <a:extLst>
+              <a:ext uri="{FF2B5EF4-FFF2-40B4-BE49-F238E27FC236}">
+                <a16:creationId xmlns:a16="http://schemas.microsoft.com/office/drawing/2014/main" id="{40CB8D0F-5BF7-49B0-B9C2-86B4D0DFE7C8}"/>
+              </a:ext>
+            </a:extLst>
+          </p:cNvPr>
+          <p:cNvSpPr>
+            <a:spLocks noGrp="1"/>
+          </p:cNvSpPr>
+          <p:nvPr>
+            <p:ph type="subTitle" idx="1"/>
           </p:nvPr>
         </p:nvSpPr>
         <p:spPr>
           <a:xfrm>
-            <a:off x="1686152" y="4302710"/>
-            <a:ext cx="10353762" cy="970450"/>
+            <a:off x="1370693" y="4139877"/>
+            <a:ext cx="9440034" cy="1049867"/>
           </a:xfrm>
         </p:spPr>
         <p:txBody>
@@ -7895,14 +7850,125 @@
               <a:rPr lang="hu-HU" dirty="0" err="1"/>
               <a:t>rello</a:t>
             </a:r>
-            <a:endParaRPr lang="hu-HU" dirty="0"/>
+            <a:r>
+              <a:rPr lang="hu-HU" dirty="0"/>
+              <a:t> | </a:t>
+            </a:r>
+            <a:r>
+              <a:rPr lang="hu-HU" dirty="0">
+                <a:solidFill>
+                  <a:srgbClr val="FF0000"/>
+                </a:solidFill>
+              </a:rPr>
+              <a:t>F</a:t>
+            </a:r>
+            <a:r>
+              <a:rPr lang="hu-HU" dirty="0"/>
+              <a:t>ő</a:t>
+            </a:r>
+            <a:r>
+              <a:rPr lang="hu-HU" dirty="0">
+                <a:solidFill>
+                  <a:srgbClr val="FF0000"/>
+                </a:solidFill>
+              </a:rPr>
+              <a:t>pr</a:t>
+            </a:r>
+            <a:r>
+              <a:rPr lang="hu-HU" dirty="0"/>
+              <a:t>ogram és </a:t>
+            </a:r>
+            <a:r>
+              <a:rPr lang="hu-HU" dirty="0">
+                <a:solidFill>
+                  <a:srgbClr val="FF0000"/>
+                </a:solidFill>
+              </a:rPr>
+              <a:t>m</a:t>
+            </a:r>
+            <a:r>
+              <a:rPr lang="hu-HU" dirty="0"/>
+              <a:t>enü | </a:t>
+            </a:r>
+            <a:r>
+              <a:rPr lang="hu-HU" dirty="0">
+                <a:solidFill>
+                  <a:srgbClr val="FF0000"/>
+                </a:solidFill>
+              </a:rPr>
+              <a:t>Új f</a:t>
+            </a:r>
+            <a:r>
+              <a:rPr lang="hu-HU" dirty="0"/>
+              <a:t>estmény</a:t>
+            </a:r>
+            <a:r>
+              <a:rPr lang="hu-HU" dirty="0">
+                <a:solidFill>
+                  <a:srgbClr val="FF0000"/>
+                </a:solidFill>
+              </a:rPr>
+              <a:t> o</a:t>
+            </a:r>
+            <a:r>
+              <a:rPr lang="hu-HU" dirty="0"/>
+              <a:t>bjektumok </a:t>
+            </a:r>
+            <a:r>
+              <a:rPr lang="hu-HU" dirty="0">
+                <a:solidFill>
+                  <a:srgbClr val="FF0000"/>
+                </a:solidFill>
+              </a:rPr>
+              <a:t>f</a:t>
+            </a:r>
+            <a:r>
+              <a:rPr lang="hu-HU" dirty="0"/>
+              <a:t>elvitele és </a:t>
+            </a:r>
+            <a:r>
+              <a:rPr lang="hu-HU" dirty="0">
+                <a:solidFill>
+                  <a:srgbClr val="FF0000"/>
+                </a:solidFill>
+              </a:rPr>
+              <a:t>m</a:t>
+            </a:r>
+            <a:r>
+              <a:rPr lang="hu-HU" dirty="0"/>
+              <a:t>entése | </a:t>
+            </a:r>
+            <a:r>
+              <a:rPr lang="hu-HU" dirty="0">
+                <a:solidFill>
+                  <a:srgbClr val="FF0000"/>
+                </a:solidFill>
+              </a:rPr>
+              <a:t>F</a:t>
+            </a:r>
+            <a:r>
+              <a:rPr lang="hu-HU" dirty="0"/>
+              <a:t>elhasználói </a:t>
+            </a:r>
+            <a:r>
+              <a:rPr lang="hu-HU" dirty="0">
+                <a:solidFill>
+                  <a:srgbClr val="FF0000"/>
+                </a:solidFill>
+              </a:rPr>
+              <a:t>d</a:t>
+            </a:r>
+            <a:r>
+              <a:rPr lang="hu-HU" dirty="0"/>
+              <a:t>okumentáció</a:t>
+            </a:r>
           </a:p>
         </p:txBody>
       </p:sp>
     </p:spTree>
     <p:extLst>
       <p:ext uri="{BB962C8B-B14F-4D97-AF65-F5344CB8AC3E}">
-        <p14:creationId xmlns:p14="http://schemas.microsoft.com/office/powerpoint/2010/main" val="3180668108"/>
+        <p14:creationId xmlns:p14="http://schemas.microsoft.com/office/powerpoint/2010/main" val="2357844105"/>
       </p:ext>
     </p:extLst>
   </p:cSld>
@@ -8516,6 +8582,114 @@
 </file>
 
 <file path=ppt/slides/slide4.xml><?xml version="1.0" encoding="utf-8"?>
+<p:sld xmlns:a="http://schemas.openxmlformats.org/drawingml/2006/main" xmlns:r="http://schemas.openxmlformats.org/officeDocument/2006/relationships" xmlns:p="http://schemas.openxmlformats.org/presentationml/2006/main">
+  <p:cSld>
+    <p:spTree>
+      <p:nvGrpSpPr>
+        <p:cNvPr id="1" name=""/>
+        <p:cNvGrpSpPr/>
+        <p:nvPr/>
+      </p:nvGrpSpPr>
+      <p:grpSpPr>
+        <a:xfrm>
+          <a:off x="0" y="0"/>
+          <a:ext cx="0" cy="0"/>
+          <a:chOff x="0" y="0"/>
+          <a:chExt cx="0" cy="0"/>
+        </a:xfrm>
+      </p:grpSpPr>
+      <p:pic>
+        <p:nvPicPr>
+          <p:cNvPr id="4" name="Kép 3" descr="A képen szöveg, beltéri, képernyőkép látható&#10;&#10;Automatikusan generált leírás">
+            <a:extLst>
+              <a:ext uri="{FF2B5EF4-FFF2-40B4-BE49-F238E27FC236}">
+                <a16:creationId xmlns:a16="http://schemas.microsoft.com/office/drawing/2014/main" id="{05598562-FA26-4DBA-85F3-CD55BF202CCB}"/>
+              </a:ext>
+            </a:extLst>
+          </p:cNvPr>
+          <p:cNvPicPr>
+            <a:picLocks noChangeAspect="1"/>
+          </p:cNvPicPr>
+          <p:nvPr/>
+        </p:nvPicPr>
+        <p:blipFill>
+          <a:blip r:embed="rId2">
+            <a:extLst>
+              <a:ext uri="{28A0092B-C50C-407E-A947-70E740481C1C}">
+                <a14:useLocalDpi xmlns:a14="http://schemas.microsoft.com/office/drawing/2010/main" val="0"/>
+              </a:ext>
+            </a:extLst>
+          </a:blip>
+          <a:stretch>
+            <a:fillRect/>
+          </a:stretch>
+        </p:blipFill>
+        <p:spPr>
+          <a:xfrm>
+            <a:off x="0" y="455573"/>
+            <a:ext cx="12192000" cy="5946853"/>
+          </a:xfrm>
+          <a:prstGeom prst="rect">
+            <a:avLst/>
+          </a:prstGeom>
+        </p:spPr>
+      </p:pic>
+      <p:sp>
+        <p:nvSpPr>
+          <p:cNvPr id="2" name="Cím 1">
+            <a:extLst>
+              <a:ext uri="{FF2B5EF4-FFF2-40B4-BE49-F238E27FC236}">
+                <a16:creationId xmlns:a16="http://schemas.microsoft.com/office/drawing/2014/main" id="{A16F52FE-9483-4212-8FC3-08E698B2CA80}"/>
+              </a:ext>
+            </a:extLst>
+          </p:cNvPr>
+          <p:cNvSpPr>
+            <a:spLocks noGrp="1"/>
+          </p:cNvSpPr>
+          <p:nvPr>
+            <p:ph type="title"/>
+          </p:nvPr>
+        </p:nvSpPr>
+        <p:spPr>
+          <a:xfrm>
+            <a:off x="1686152" y="4302710"/>
+            <a:ext cx="10353762" cy="970450"/>
+          </a:xfrm>
+        </p:spPr>
+        <p:txBody>
+          <a:bodyPr/>
+          <a:lstStyle/>
+          <a:p>
+            <a:r>
+              <a:rPr lang="hu-HU" dirty="0" err="1">
+                <a:solidFill>
+                  <a:srgbClr val="FF0000"/>
+                </a:solidFill>
+              </a:rPr>
+              <a:t>T</a:t>
+            </a:r>
+            <a:r>
+              <a:rPr lang="hu-HU" dirty="0" err="1"/>
+              <a:t>rello</a:t>
+            </a:r>
+            <a:endParaRPr lang="hu-HU" dirty="0"/>
+          </a:p>
+        </p:txBody>
+      </p:sp>
+    </p:spTree>
+    <p:extLst>
+      <p:ext uri="{BB962C8B-B14F-4D97-AF65-F5344CB8AC3E}">
+        <p14:creationId xmlns:p14="http://schemas.microsoft.com/office/powerpoint/2010/main" val="3180668108"/>
+      </p:ext>
+    </p:extLst>
+  </p:cSld>
+  <p:clrMapOvr>
+    <a:masterClrMapping/>
+  </p:clrMapOvr>
+</p:sld>
+</file>
+
+<file path=ppt/slides/slide5.xml><?xml version="1.0" encoding="utf-8"?>
 <p:sld xmlns:a="http://schemas.openxmlformats.org/drawingml/2006/main" xmlns:r="http://schemas.openxmlformats.org/officeDocument/2006/relationships" xmlns:p="http://schemas.openxmlformats.org/presentationml/2006/main">
   <p:cSld>
     <p:bg>
@@ -9891,28 +10065,9 @@
 </p:sld>
 </file>
 
-<file path=ppt/slides/slide5.xml><?xml version="1.0" encoding="utf-8"?>
+<file path=ppt/slides/slide6.xml><?xml version="1.0" encoding="utf-8"?>
 <p:sld xmlns:a="http://schemas.openxmlformats.org/drawingml/2006/main" xmlns:r="http://schemas.openxmlformats.org/officeDocument/2006/relationships" xmlns:p="http://schemas.openxmlformats.org/presentationml/2006/main">
   <p:cSld>
-    <p:bg>
-      <p:bgPr>
-        <a:blipFill rotWithShape="1">
-          <a:blip r:embed="rId2">
-            <a:duotone>
-              <a:schemeClr val="bg2">
-                <a:shade val="80000"/>
-                <a:lumMod val="80000"/>
-              </a:schemeClr>
-              <a:schemeClr val="bg2">
-                <a:tint val="98000"/>
-              </a:schemeClr>
-            </a:duotone>
-          </a:blip>
-          <a:stretch/>
-        </a:blipFill>
-        <a:effectLst/>
-      </p:bgPr>
-    </p:bg>
     <p:spTree>
       <p:nvGrpSpPr>
         <p:cNvPr id="1" name=""/>
@@ -9932,7 +10087,7 @@
           <p:cNvPr id="4" name="Kép 3" descr="A képen szöveg, beltéri, képernyőkép látható&#10;&#10;Automatikusan generált leírás">
             <a:extLst>
               <a:ext uri="{FF2B5EF4-FFF2-40B4-BE49-F238E27FC236}">
-                <a16:creationId xmlns:a16="http://schemas.microsoft.com/office/drawing/2014/main" id="{6DB408D4-6764-4D70-A3E5-88E1FB68494F}"/>
+                <a16:creationId xmlns:a16="http://schemas.microsoft.com/office/drawing/2014/main" id="{05598562-FA26-4DBA-85F3-CD55BF202CCB}"/>
               </a:ext>
             </a:extLst>
           </p:cNvPr>
@@ -9941,102 +10096,34 @@
           </p:cNvPicPr>
           <p:nvPr/>
         </p:nvPicPr>
-        <p:blipFill rotWithShape="1">
-          <a:blip r:embed="rId3">
+        <p:blipFill>
+          <a:blip r:embed="rId2">
             <a:extLst>
               <a:ext uri="{28A0092B-C50C-407E-A947-70E740481C1C}">
                 <a14:useLocalDpi xmlns:a14="http://schemas.microsoft.com/office/drawing/2010/main" val="0"/>
               </a:ext>
             </a:extLst>
           </a:blip>
-          <a:srcRect l="10663" r="2670" b="-1"/>
-          <a:stretch/>
+          <a:stretch>
+            <a:fillRect/>
+          </a:stretch>
         </p:blipFill>
         <p:spPr>
           <a:xfrm>
-            <a:off x="20" y="10"/>
-            <a:ext cx="12191980" cy="6857990"/>
+            <a:off x="0" y="455573"/>
+            <a:ext cx="12192000" cy="5946853"/>
           </a:xfrm>
           <a:prstGeom prst="rect">
             <a:avLst/>
           </a:prstGeom>
         </p:spPr>
       </p:pic>
-      <p:sp useBgFill="1">
-        <p:nvSpPr>
-          <p:cNvPr id="15" name="Freeform 5">
-            <a:extLst>
-              <a:ext uri="{FF2B5EF4-FFF2-40B4-BE49-F238E27FC236}">
-                <a16:creationId xmlns:a16="http://schemas.microsoft.com/office/drawing/2014/main" id="{608EAA06-5488-416B-B2B2-E55213011012}"/>
-              </a:ext>
-              <a:ext uri="{C183D7F6-B498-43B3-948B-1728B52AA6E4}">
-                <adec:decorative xmlns:adec="http://schemas.microsoft.com/office/drawing/2017/decorative" val="1"/>
-              </a:ext>
-            </a:extLst>
-          </p:cNvPr>
-          <p:cNvSpPr>
-            <a:spLocks noGrp="1" noRot="1" noChangeAspect="1" noMove="1" noResize="1" noEditPoints="1" noAdjustHandles="1" noChangeArrowheads="1" noChangeShapeType="1" noTextEdit="1"/>
-          </p:cNvSpPr>
-          <p:nvPr>
-            <p:extLst>
-              <p:ext uri="{386F3935-93C4-4BCD-93E2-E3B085C9AB24}">
-                <p16:designElem xmlns:p16="http://schemas.microsoft.com/office/powerpoint/2015/main" val="1"/>
-              </p:ext>
-            </p:extLst>
-          </p:nvPr>
-        </p:nvSpPr>
-        <p:spPr bwMode="auto">
-          <a:xfrm rot="5400000">
-            <a:off x="2769538" y="445383"/>
-            <a:ext cx="1995577" cy="7534653"/>
-          </a:xfrm>
-          <a:prstGeom prst="round2SameRect">
-            <a:avLst>
-              <a:gd name="adj1" fmla="val 9679"/>
-              <a:gd name="adj2" fmla="val 400"/>
-            </a:avLst>
-          </a:prstGeom>
-          <a:ln>
-            <a:noFill/>
-          </a:ln>
-          <a:effectLst>
-            <a:outerShdw blurRad="50800" dist="38100" dir="5400000" algn="tl" rotWithShape="0">
-              <a:srgbClr val="000000">
-                <a:alpha val="43000"/>
-              </a:srgbClr>
-            </a:outerShdw>
-          </a:effectLst>
-          <a:extLst>
-            <a:ext uri="{91240B29-F687-4f45-9708-019B960494DF}">
-              <a14:hiddenLine xmlns="" xmlns:a16="http://schemas.microsoft.com/office/drawing/2014/main" xmlns:p14="http://schemas.microsoft.com/office/powerpoint/2010/main" xmlns:a14="http://schemas.microsoft.com/office/drawing/2010/main" w="9525">
-                <a:solidFill>
-                  <a:srgbClr val="000000"/>
-                </a:solidFill>
-                <a:round/>
-                <a:headEnd/>
-                <a:tailEnd/>
-              </a14:hiddenLine>
-            </a:ext>
-          </a:extLst>
-        </p:spPr>
-        <p:txBody>
-          <a:bodyPr vert="horz" wrap="square" lIns="91440" tIns="45720" rIns="91440" bIns="45720" numCol="1" anchor="t" anchorCtr="0" compatLnSpc="1">
-            <a:prstTxWarp prst="textNoShape">
-              <a:avLst/>
-            </a:prstTxWarp>
-          </a:bodyPr>
-          <a:lstStyle/>
-          <a:p>
-            <a:endParaRPr lang="en-US"/>
-          </a:p>
-        </p:txBody>
-      </p:sp>
       <p:sp>
         <p:nvSpPr>
           <p:cNvPr id="2" name="Cím 1">
             <a:extLst>
               <a:ext uri="{FF2B5EF4-FFF2-40B4-BE49-F238E27FC236}">
-                <a16:creationId xmlns:a16="http://schemas.microsoft.com/office/drawing/2014/main" id="{8C027E2A-1FEF-4A8B-8DCF-3033EB24F878}"/>
+                <a16:creationId xmlns:a16="http://schemas.microsoft.com/office/drawing/2014/main" id="{A16F52FE-9483-4212-8FC3-08E698B2CA80}"/>
               </a:ext>
             </a:extLst>
           </p:cNvPr>
@@ -10049,53 +10136,34 @@
         </p:nvSpPr>
         <p:spPr>
           <a:xfrm>
-            <a:off x="804335" y="3496574"/>
-            <a:ext cx="6436104" cy="1138686"/>
+            <a:off x="1686152" y="4302710"/>
+            <a:ext cx="10353762" cy="970450"/>
           </a:xfrm>
         </p:spPr>
         <p:txBody>
-          <a:bodyPr vert="horz" lIns="91440" tIns="45720" rIns="91440" bIns="45720" rtlCol="0" anchor="b">
-            <a:normAutofit fontScale="90000"/>
-          </a:bodyPr>
+          <a:bodyPr/>
           <a:lstStyle/>
           <a:p>
-            <a:pPr algn="l"/>
-            <a:r>
-              <a:rPr lang="hu-HU" sz="4400" dirty="0">
-                <a:solidFill>
-                  <a:schemeClr val="tx1"/>
+            <a:r>
+              <a:rPr lang="hu-HU" dirty="0" err="1">
+                <a:solidFill>
+                  <a:srgbClr val="FF0000"/>
                 </a:solidFill>
               </a:rPr>
-              <a:t>A</a:t>
-            </a:r>
-            <a:r>
-              <a:rPr lang="hu-HU" sz="4400" dirty="0">
-                <a:solidFill>
-                  <a:srgbClr val="FF0000"/>
-                </a:solidFill>
-              </a:rPr>
-              <a:t> munkatér </a:t>
-            </a:r>
-            <a:r>
-              <a:rPr lang="hu-HU" sz="4400" dirty="0">
-                <a:solidFill>
-                  <a:schemeClr val="tx1"/>
-                </a:solidFill>
-              </a:rPr>
-              <a:t>amiben végül dolgoztunk</a:t>
-            </a:r>
-            <a:endParaRPr lang="en-US" sz="4400" dirty="0">
-              <a:solidFill>
-                <a:schemeClr val="tx1"/>
-              </a:solidFill>
-            </a:endParaRPr>
+              <a:t>T</a:t>
+            </a:r>
+            <a:r>
+              <a:rPr lang="hu-HU" dirty="0" err="1"/>
+              <a:t>rello</a:t>
+            </a:r>
+            <a:endParaRPr lang="hu-HU" dirty="0"/>
           </a:p>
         </p:txBody>
       </p:sp>
     </p:spTree>
     <p:extLst>
       <p:ext uri="{BB962C8B-B14F-4D97-AF65-F5344CB8AC3E}">
-        <p14:creationId xmlns:p14="http://schemas.microsoft.com/office/powerpoint/2010/main" val="1650263858"/>
+        <p14:creationId xmlns:p14="http://schemas.microsoft.com/office/powerpoint/2010/main" val="1492982652"/>
       </p:ext>
     </p:extLst>
   </p:cSld>
@@ -10105,7 +10173,7 @@
 </p:sld>
 </file>
 
-<file path=ppt/slides/slide6.xml><?xml version="1.0" encoding="utf-8"?>
+<file path=ppt/slides/slide7.xml><?xml version="1.0" encoding="utf-8"?>
 <p:sld xmlns:a="http://schemas.openxmlformats.org/drawingml/2006/main" xmlns:r="http://schemas.openxmlformats.org/officeDocument/2006/relationships" xmlns:p="http://schemas.openxmlformats.org/presentationml/2006/main">
   <p:cSld>
     <p:bg>
@@ -11481,7 +11549,7 @@
 </p:sld>
 </file>
 
-<file path=ppt/slides/slide7.xml><?xml version="1.0" encoding="utf-8"?>
+<file path=ppt/slides/slide8.xml><?xml version="1.0" encoding="utf-8"?>
 <p:sld xmlns:a="http://schemas.openxmlformats.org/drawingml/2006/main" xmlns:r="http://schemas.openxmlformats.org/officeDocument/2006/relationships" xmlns:p="http://schemas.openxmlformats.org/presentationml/2006/main">
   <p:cSld>
     <p:spTree>
@@ -11672,7 +11740,7 @@
 </p:sld>
 </file>
 
-<file path=ppt/slides/slide8.xml><?xml version="1.0" encoding="utf-8"?>
+<file path=ppt/slides/slide9.xml><?xml version="1.0" encoding="utf-8"?>
 <p:sld xmlns:a="http://schemas.openxmlformats.org/drawingml/2006/main" xmlns:r="http://schemas.openxmlformats.org/officeDocument/2006/relationships" xmlns:p="http://schemas.openxmlformats.org/presentationml/2006/main">
   <p:cSld>
     <p:bg>
@@ -11945,175 +12013,6 @@
   </p:cSld>
   <p:clrMapOvr>
     <a:overrideClrMapping bg1="lt1" tx1="dk1" bg2="lt2" tx2="dk2" accent1="accent1" accent2="accent2" accent3="accent3" accent4="accent4" accent5="accent5" accent6="accent6" hlink="hlink" folHlink="folHlink"/>
-  </p:clrMapOvr>
-</p:sld>
-</file>
-
-<file path=ppt/slides/slide9.xml><?xml version="1.0" encoding="utf-8"?>
-<p:sld xmlns:a="http://schemas.openxmlformats.org/drawingml/2006/main" xmlns:r="http://schemas.openxmlformats.org/officeDocument/2006/relationships" xmlns:p="http://schemas.openxmlformats.org/presentationml/2006/main">
-  <p:cSld>
-    <p:bg>
-      <p:bgPr>
-        <a:blipFill rotWithShape="1">
-          <a:blip r:embed="rId2">
-            <a:duotone>
-              <a:schemeClr val="bg2">
-                <a:shade val="80000"/>
-                <a:lumMod val="80000"/>
-              </a:schemeClr>
-              <a:schemeClr val="bg2">
-                <a:tint val="98000"/>
-              </a:schemeClr>
-            </a:duotone>
-          </a:blip>
-          <a:stretch/>
-        </a:blipFill>
-        <a:effectLst/>
-      </p:bgPr>
-    </p:bg>
-    <p:spTree>
-      <p:nvGrpSpPr>
-        <p:cNvPr id="1" name=""/>
-        <p:cNvGrpSpPr/>
-        <p:nvPr/>
-      </p:nvGrpSpPr>
-      <p:grpSpPr>
-        <a:xfrm>
-          <a:off x="0" y="0"/>
-          <a:ext cx="0" cy="0"/>
-          <a:chOff x="0" y="0"/>
-          <a:chExt cx="0" cy="0"/>
-        </a:xfrm>
-      </p:grpSpPr>
-      <p:sp>
-        <p:nvSpPr>
-          <p:cNvPr id="2" name="Cím 1">
-            <a:extLst>
-              <a:ext uri="{FF2B5EF4-FFF2-40B4-BE49-F238E27FC236}">
-                <a16:creationId xmlns:a16="http://schemas.microsoft.com/office/drawing/2014/main" id="{758CD7CC-3D54-4A63-B397-D4CC0E28AD22}"/>
-              </a:ext>
-            </a:extLst>
-          </p:cNvPr>
-          <p:cNvSpPr>
-            <a:spLocks noGrp="1"/>
-          </p:cNvSpPr>
-          <p:nvPr>
-            <p:ph type="title"/>
-          </p:nvPr>
-        </p:nvSpPr>
-        <p:spPr>
-          <a:xfrm>
-            <a:off x="1370693" y="4406537"/>
-            <a:ext cx="9440034" cy="1088336"/>
-          </a:xfrm>
-        </p:spPr>
-        <p:txBody>
-          <a:bodyPr vert="horz" lIns="91440" tIns="45720" rIns="91440" bIns="45720" rtlCol="0" anchor="b">
-            <a:normAutofit/>
-          </a:bodyPr>
-          <a:lstStyle/>
-          <a:p>
-            <a:r>
-              <a:rPr lang="en-US" sz="4800" dirty="0" err="1">
-                <a:solidFill>
-                  <a:srgbClr val="FF0000"/>
-                </a:solidFill>
-              </a:rPr>
-              <a:t>F</a:t>
-            </a:r>
-            <a:r>
-              <a:rPr lang="en-US" sz="4800" dirty="0" err="1"/>
-              <a:t>ájl</a:t>
-            </a:r>
-            <a:r>
-              <a:rPr lang="en-US" sz="4800" dirty="0"/>
-              <a:t> </a:t>
-            </a:r>
-            <a:r>
-              <a:rPr lang="en-US" sz="4800" dirty="0" err="1">
-                <a:solidFill>
-                  <a:srgbClr val="FF0000"/>
-                </a:solidFill>
-              </a:rPr>
-              <a:t>a</a:t>
-            </a:r>
-            <a:r>
-              <a:rPr lang="en-US" sz="4800" dirty="0" err="1"/>
-              <a:t>datainak</a:t>
-            </a:r>
-            <a:r>
-              <a:rPr lang="en-US" sz="4800" dirty="0"/>
-              <a:t> </a:t>
-            </a:r>
-            <a:r>
-              <a:rPr lang="en-US" sz="4800" dirty="0">
-                <a:solidFill>
-                  <a:srgbClr val="FF0000"/>
-                </a:solidFill>
-              </a:rPr>
-              <a:t>a </a:t>
-            </a:r>
-            <a:r>
-              <a:rPr lang="en-US" sz="4800" dirty="0" err="1">
-                <a:solidFill>
-                  <a:srgbClr val="FF0000"/>
-                </a:solidFill>
-              </a:rPr>
-              <a:t>k</a:t>
-            </a:r>
-            <a:r>
-              <a:rPr lang="en-US" sz="4800" dirty="0" err="1"/>
-              <a:t>iírása</a:t>
-            </a:r>
-            <a:endParaRPr lang="en-US" sz="4800" dirty="0"/>
-          </a:p>
-        </p:txBody>
-      </p:sp>
-      <p:pic>
-        <p:nvPicPr>
-          <p:cNvPr id="4" name="Kép 3" descr="A képen szöveg látható&#10;&#10;Automatikusan generált leírás">
-            <a:extLst>
-              <a:ext uri="{FF2B5EF4-FFF2-40B4-BE49-F238E27FC236}">
-                <a16:creationId xmlns:a16="http://schemas.microsoft.com/office/drawing/2014/main" id="{E9D398D3-34EC-4221-BA97-D4E3B6D24589}"/>
-              </a:ext>
-            </a:extLst>
-          </p:cNvPr>
-          <p:cNvPicPr>
-            <a:picLocks noChangeAspect="1"/>
-          </p:cNvPicPr>
-          <p:nvPr/>
-        </p:nvPicPr>
-        <p:blipFill>
-          <a:blip r:embed="rId3">
-            <a:extLst>
-              <a:ext uri="{28A0092B-C50C-407E-A947-70E740481C1C}">
-                <a14:useLocalDpi xmlns:a14="http://schemas.microsoft.com/office/drawing/2010/main" val="0"/>
-              </a:ext>
-            </a:extLst>
-          </a:blip>
-          <a:stretch>
-            <a:fillRect/>
-          </a:stretch>
-        </p:blipFill>
-        <p:spPr>
-          <a:xfrm>
-            <a:off x="1797731" y="643463"/>
-            <a:ext cx="8603326" cy="3249553"/>
-          </a:xfrm>
-          <a:prstGeom prst="rect">
-            <a:avLst/>
-          </a:prstGeom>
-        </p:spPr>
-      </p:pic>
-    </p:spTree>
-    <p:extLst>
-      <p:ext uri="{BB962C8B-B14F-4D97-AF65-F5344CB8AC3E}">
-        <p14:creationId xmlns:p14="http://schemas.microsoft.com/office/powerpoint/2010/main" val="4285121476"/>
-      </p:ext>
-    </p:extLst>
-  </p:cSld>
-  <p:clrMapOvr>
-    <a:masterClrMapping/>
   </p:clrMapOvr>
 </p:sld>
 </file>
